--- a/projects/graphexplorer/submissions/DevinElliotGautam/DevinElliotAndGautamsPresentation.pptx
+++ b/projects/graphexplorer/submissions/DevinElliotGautam/DevinElliotAndGautamsPresentation.pptx
@@ -1,28 +1,28 @@
 
 <file path=ppt/presentation.xml><?xml version="1.0" encoding="utf-8"?>
-<p:presentation xmlns:a="http://schemas.openxmlformats.org/drawingml/2006/main" xmlns:r="http://schemas.openxmlformats.org/officeDocument/2006/relationships" xmlns:mc="http://schemas.openxmlformats.org/markup-compatibility/2006" xmlns:mv="urn:schemas-microsoft-com:mac:vml" xmlns:p="http://schemas.openxmlformats.org/presentationml/2006/main" xmlns:c="http://schemas.openxmlformats.org/drawingml/2006/chart" xmlns:dgm="http://schemas.openxmlformats.org/drawingml/2006/diagram" xmlns:o="urn:schemas-microsoft-com:office:office" xmlns:v="urn:schemas-microsoft-com:vml" xmlns:pvml="urn:schemas-microsoft-com:office:powerpoint" xmlns:com="http://schemas.openxmlformats.org/drawingml/2006/compatibility" xmlns:p14="http://schemas.microsoft.com/office/powerpoint/2010/main" xmlns:p15="http://schemas.microsoft.com/office/powerpoint/2012/main" autoCompressPictures="0" embedTrueTypeFonts="1" strictFirstAndLastChars="0" saveSubsetFonts="1">
+<p:presentation xmlns:a="http://schemas.openxmlformats.org/drawingml/2006/main" xmlns:r="http://schemas.openxmlformats.org/officeDocument/2006/relationships" xmlns:p="http://schemas.openxmlformats.org/presentationml/2006/main" strictFirstAndLastChars="0" embedTrueTypeFonts="1" saveSubsetFonts="1" autoCompressPictures="0">
   <p:sldMasterIdLst>
-    <p:sldMasterId id="2147483659" r:id="rId3"/>
+    <p:sldMasterId id="2147483659" r:id="rId1"/>
   </p:sldMasterIdLst>
   <p:notesMasterIdLst>
-    <p:notesMasterId r:id="rId4"/>
+    <p:notesMasterId r:id="rId3"/>
   </p:notesMasterIdLst>
   <p:sldIdLst>
-    <p:sldId id="256" r:id="rId5"/>
+    <p:sldId id="256" r:id="rId2"/>
   </p:sldIdLst>
-  <p:sldSz cy="5143500" cx="9144000"/>
+  <p:sldSz cx="9144000" cy="5143500" type="screen16x9"/>
   <p:notesSz cx="6858000" cy="9144000"/>
   <p:embeddedFontLst>
     <p:embeddedFont>
-      <p:font typeface="Roboto"/>
-      <p:regular r:id="rId6"/>
-      <p:bold r:id="rId7"/>
-      <p:italic r:id="rId8"/>
-      <p:boldItalic r:id="rId9"/>
+      <p:font typeface="Roboto" panose="020B0604020202020204" charset="0"/>
+      <p:regular r:id="rId4"/>
+      <p:bold r:id="rId5"/>
+      <p:italic r:id="rId6"/>
+      <p:boldItalic r:id="rId7"/>
     </p:embeddedFont>
   </p:embeddedFontLst>
   <p:defaultTextStyle>
-    <a:defPPr lvl="0" marR="0" rtl="0" algn="l">
+    <a:defPPr marR="0" lvl="0" algn="l" rtl="0">
       <a:lnSpc>
         <a:spcPct val="100000"/>
       </a:lnSpc>
@@ -33,7 +33,7 @@
         <a:spcPts val="0"/>
       </a:spcAft>
     </a:defPPr>
-    <a:lvl1pPr lvl="0" marR="0" rtl="0" algn="l">
+    <a:lvl1pPr marR="0" lvl="0" algn="l" rtl="0">
       <a:lnSpc>
         <a:spcPct val="100000"/>
       </a:lnSpc>
@@ -44,7 +44,7 @@
         <a:spcPts val="0"/>
       </a:spcAft>
       <a:buNone/>
-      <a:defRPr b="0" i="0" sz="1400" u="none" cap="none" strike="noStrike">
+      <a:defRPr sz="1400" b="0" i="0" u="none" strike="noStrike" cap="none">
         <a:solidFill>
           <a:srgbClr val="000000"/>
         </a:solidFill>
@@ -54,7 +54,7 @@
         <a:sym typeface="Arial"/>
       </a:defRPr>
     </a:lvl1pPr>
-    <a:lvl2pPr lvl="1" marR="0" rtl="0" algn="l">
+    <a:lvl2pPr marR="0" lvl="1" algn="l" rtl="0">
       <a:lnSpc>
         <a:spcPct val="100000"/>
       </a:lnSpc>
@@ -65,7 +65,7 @@
         <a:spcPts val="0"/>
       </a:spcAft>
       <a:buNone/>
-      <a:defRPr b="0" i="0" sz="1400" u="none" cap="none" strike="noStrike">
+      <a:defRPr sz="1400" b="0" i="0" u="none" strike="noStrike" cap="none">
         <a:solidFill>
           <a:srgbClr val="000000"/>
         </a:solidFill>
@@ -75,7 +75,7 @@
         <a:sym typeface="Arial"/>
       </a:defRPr>
     </a:lvl2pPr>
-    <a:lvl3pPr lvl="2" marR="0" rtl="0" algn="l">
+    <a:lvl3pPr marR="0" lvl="2" algn="l" rtl="0">
       <a:lnSpc>
         <a:spcPct val="100000"/>
       </a:lnSpc>
@@ -86,7 +86,7 @@
         <a:spcPts val="0"/>
       </a:spcAft>
       <a:buNone/>
-      <a:defRPr b="0" i="0" sz="1400" u="none" cap="none" strike="noStrike">
+      <a:defRPr sz="1400" b="0" i="0" u="none" strike="noStrike" cap="none">
         <a:solidFill>
           <a:srgbClr val="000000"/>
         </a:solidFill>
@@ -96,7 +96,7 @@
         <a:sym typeface="Arial"/>
       </a:defRPr>
     </a:lvl3pPr>
-    <a:lvl4pPr lvl="3" marR="0" rtl="0" algn="l">
+    <a:lvl4pPr marR="0" lvl="3" algn="l" rtl="0">
       <a:lnSpc>
         <a:spcPct val="100000"/>
       </a:lnSpc>
@@ -107,7 +107,7 @@
         <a:spcPts val="0"/>
       </a:spcAft>
       <a:buNone/>
-      <a:defRPr b="0" i="0" sz="1400" u="none" cap="none" strike="noStrike">
+      <a:defRPr sz="1400" b="0" i="0" u="none" strike="noStrike" cap="none">
         <a:solidFill>
           <a:srgbClr val="000000"/>
         </a:solidFill>
@@ -117,7 +117,7 @@
         <a:sym typeface="Arial"/>
       </a:defRPr>
     </a:lvl4pPr>
-    <a:lvl5pPr lvl="4" marR="0" rtl="0" algn="l">
+    <a:lvl5pPr marR="0" lvl="4" algn="l" rtl="0">
       <a:lnSpc>
         <a:spcPct val="100000"/>
       </a:lnSpc>
@@ -128,7 +128,7 @@
         <a:spcPts val="0"/>
       </a:spcAft>
       <a:buNone/>
-      <a:defRPr b="0" i="0" sz="1400" u="none" cap="none" strike="noStrike">
+      <a:defRPr sz="1400" b="0" i="0" u="none" strike="noStrike" cap="none">
         <a:solidFill>
           <a:srgbClr val="000000"/>
         </a:solidFill>
@@ -138,7 +138,7 @@
         <a:sym typeface="Arial"/>
       </a:defRPr>
     </a:lvl5pPr>
-    <a:lvl6pPr lvl="5" marR="0" rtl="0" algn="l">
+    <a:lvl6pPr marR="0" lvl="5" algn="l" rtl="0">
       <a:lnSpc>
         <a:spcPct val="100000"/>
       </a:lnSpc>
@@ -149,7 +149,7 @@
         <a:spcPts val="0"/>
       </a:spcAft>
       <a:buNone/>
-      <a:defRPr b="0" i="0" sz="1400" u="none" cap="none" strike="noStrike">
+      <a:defRPr sz="1400" b="0" i="0" u="none" strike="noStrike" cap="none">
         <a:solidFill>
           <a:srgbClr val="000000"/>
         </a:solidFill>
@@ -159,7 +159,7 @@
         <a:sym typeface="Arial"/>
       </a:defRPr>
     </a:lvl6pPr>
-    <a:lvl7pPr lvl="6" marR="0" rtl="0" algn="l">
+    <a:lvl7pPr marR="0" lvl="6" algn="l" rtl="0">
       <a:lnSpc>
         <a:spcPct val="100000"/>
       </a:lnSpc>
@@ -170,7 +170,7 @@
         <a:spcPts val="0"/>
       </a:spcAft>
       <a:buNone/>
-      <a:defRPr b="0" i="0" sz="1400" u="none" cap="none" strike="noStrike">
+      <a:defRPr sz="1400" b="0" i="0" u="none" strike="noStrike" cap="none">
         <a:solidFill>
           <a:srgbClr val="000000"/>
         </a:solidFill>
@@ -180,7 +180,7 @@
         <a:sym typeface="Arial"/>
       </a:defRPr>
     </a:lvl7pPr>
-    <a:lvl8pPr lvl="7" marR="0" rtl="0" algn="l">
+    <a:lvl8pPr marR="0" lvl="7" algn="l" rtl="0">
       <a:lnSpc>
         <a:spcPct val="100000"/>
       </a:lnSpc>
@@ -191,7 +191,7 @@
         <a:spcPts val="0"/>
       </a:spcAft>
       <a:buNone/>
-      <a:defRPr b="0" i="0" sz="1400" u="none" cap="none" strike="noStrike">
+      <a:defRPr sz="1400" b="0" i="0" u="none" strike="noStrike" cap="none">
         <a:solidFill>
           <a:srgbClr val="000000"/>
         </a:solidFill>
@@ -201,7 +201,7 @@
         <a:sym typeface="Arial"/>
       </a:defRPr>
     </a:lvl8pPr>
-    <a:lvl9pPr lvl="8" marR="0" rtl="0" algn="l">
+    <a:lvl9pPr marR="0" lvl="8" algn="l" rtl="0">
       <a:lnSpc>
         <a:spcPct val="100000"/>
       </a:lnSpc>
@@ -212,7 +212,7 @@
         <a:spcPts val="0"/>
       </a:spcAft>
       <a:buNone/>
-      <a:defRPr b="0" i="0" sz="1400" u="none" cap="none" strike="noStrike">
+      <a:defRPr sz="1400" b="0" i="0" u="none" strike="noStrike" cap="none">
         <a:solidFill>
           <a:srgbClr val="000000"/>
         </a:solidFill>
@@ -223,15 +223,25 @@
       </a:defRPr>
     </a:lvl9pPr>
   </p:defaultTextStyle>
+  <p:extLst>
+    <p:ext uri="{EFAFB233-063F-42B5-8137-9DF3F51BA10A}">
+      <p15:sldGuideLst xmlns:p15="http://schemas.microsoft.com/office/powerpoint/2012/main"/>
+    </p:ext>
+  </p:extLst>
 </p:presentation>
 </file>
 
 <file path=ppt/notesMasters/notesMaster1.xml><?xml version="1.0" encoding="utf-8"?>
-<p:notesMaster xmlns:a="http://schemas.openxmlformats.org/drawingml/2006/main" xmlns:r="http://schemas.openxmlformats.org/officeDocument/2006/relationships" xmlns:mc="http://schemas.openxmlformats.org/markup-compatibility/2006" xmlns:mv="urn:schemas-microsoft-com:mac:vml" xmlns:p="http://schemas.openxmlformats.org/presentationml/2006/main" xmlns:c="http://schemas.openxmlformats.org/drawingml/2006/chart" xmlns:dgm="http://schemas.openxmlformats.org/drawingml/2006/diagram" xmlns:o="urn:schemas-microsoft-com:office:office" xmlns:v="urn:schemas-microsoft-com:vml" xmlns:pvml="urn:schemas-microsoft-com:office:powerpoint" xmlns:com="http://schemas.openxmlformats.org/drawingml/2006/compatibility" xmlns:p14="http://schemas.microsoft.com/office/powerpoint/2010/main" xmlns:p15="http://schemas.microsoft.com/office/powerpoint/2012/main">
+<p:notesMaster xmlns:a="http://schemas.openxmlformats.org/drawingml/2006/main" xmlns:r="http://schemas.openxmlformats.org/officeDocument/2006/relationships" xmlns:p="http://schemas.openxmlformats.org/presentationml/2006/main">
   <p:cSld>
+    <p:bg>
+      <p:bgRef idx="1001">
+        <a:schemeClr val="bg1"/>
+      </p:bgRef>
+    </p:bg>
     <p:spTree>
       <p:nvGrpSpPr>
-        <p:cNvPr id="2" name="Shape 2"/>
+        <p:cNvPr id="1" name="Shape 2"/>
         <p:cNvGrpSpPr/>
         <p:nvPr/>
       </p:nvGrpSpPr>
@@ -246,9 +256,11 @@
       <p:sp>
         <p:nvSpPr>
           <p:cNvPr id="3" name="Shape 3"/>
-          <p:cNvSpPr/>
+          <p:cNvSpPr>
+            <a:spLocks noGrp="1" noRot="1" noChangeAspect="1"/>
+          </p:cNvSpPr>
           <p:nvPr>
-            <p:ph idx="2" type="sldImg"/>
+            <p:ph type="sldImg" idx="2"/>
           </p:nvPr>
         </p:nvSpPr>
         <p:spPr>
@@ -257,8 +269,13 @@
             <a:ext cx="6096075" cy="3429000"/>
           </a:xfrm>
           <a:custGeom>
+            <a:avLst/>
+            <a:gdLst/>
+            <a:ahLst/>
+            <a:cxnLst/>
+            <a:rect l="0" t="0" r="0" b="0"/>
             <a:pathLst>
-              <a:path extrusionOk="0" h="120000" w="120000">
+              <a:path w="120000" h="120000" extrusionOk="0">
                 <a:moveTo>
                   <a:pt x="0" y="0"/>
                 </a:moveTo>
@@ -276,23 +293,25 @@
             </a:pathLst>
           </a:custGeom>
           <a:noFill/>
-          <a:ln cap="flat" cmpd="sng" w="9525">
+          <a:ln w="9525" cap="flat" cmpd="sng">
             <a:solidFill>
               <a:srgbClr val="000000"/>
             </a:solidFill>
             <a:prstDash val="solid"/>
             <a:round/>
-            <a:headEnd len="med" w="med" type="none"/>
-            <a:tailEnd len="med" w="med" type="none"/>
+            <a:headEnd type="none" w="med" len="med"/>
+            <a:tailEnd type="none" w="med" len="med"/>
           </a:ln>
         </p:spPr>
       </p:sp>
       <p:sp>
         <p:nvSpPr>
           <p:cNvPr id="4" name="Shape 4"/>
-          <p:cNvSpPr txBox="1"/>
+          <p:cNvSpPr txBox="1">
+            <a:spLocks noGrp="1"/>
+          </p:cNvSpPr>
           <p:nvPr>
-            <p:ph idx="1" type="body"/>
+            <p:ph type="body" idx="1"/>
           </p:nvPr>
         </p:nvSpPr>
         <p:spPr>
@@ -309,9 +328,9 @@
           </a:ln>
         </p:spPr>
         <p:txBody>
-          <a:bodyPr anchorCtr="0" anchor="t" bIns="91425" lIns="91425" spcFirstLastPara="1" rIns="91425" wrap="square" tIns="91425"/>
+          <a:bodyPr spcFirstLastPara="1" wrap="square" lIns="91425" tIns="91425" rIns="91425" bIns="91425" anchor="t" anchorCtr="0"/>
           <a:lstStyle>
-            <a:lvl1pPr indent="-298450" lvl="0" marL="457200">
+            <a:lvl1pPr marL="457200" lvl="0" indent="-298450">
               <a:spcBef>
                 <a:spcPts val="0"/>
               </a:spcBef>
@@ -322,7 +341,7 @@
               <a:buChar char="●"/>
               <a:defRPr sz="1100"/>
             </a:lvl1pPr>
-            <a:lvl2pPr indent="-298450" lvl="1" marL="914400">
+            <a:lvl2pPr marL="914400" lvl="1" indent="-298450">
               <a:spcBef>
                 <a:spcPts val="0"/>
               </a:spcBef>
@@ -333,7 +352,7 @@
               <a:buChar char="○"/>
               <a:defRPr sz="1100"/>
             </a:lvl2pPr>
-            <a:lvl3pPr indent="-298450" lvl="2" marL="1371600">
+            <a:lvl3pPr marL="1371600" lvl="2" indent="-298450">
               <a:spcBef>
                 <a:spcPts val="0"/>
               </a:spcBef>
@@ -344,7 +363,7 @@
               <a:buChar char="■"/>
               <a:defRPr sz="1100"/>
             </a:lvl3pPr>
-            <a:lvl4pPr indent="-298450" lvl="3" marL="1828800">
+            <a:lvl4pPr marL="1828800" lvl="3" indent="-298450">
               <a:spcBef>
                 <a:spcPts val="0"/>
               </a:spcBef>
@@ -355,7 +374,7 @@
               <a:buChar char="●"/>
               <a:defRPr sz="1100"/>
             </a:lvl4pPr>
-            <a:lvl5pPr indent="-298450" lvl="4" marL="2286000">
+            <a:lvl5pPr marL="2286000" lvl="4" indent="-298450">
               <a:spcBef>
                 <a:spcPts val="0"/>
               </a:spcBef>
@@ -366,7 +385,7 @@
               <a:buChar char="○"/>
               <a:defRPr sz="1100"/>
             </a:lvl5pPr>
-            <a:lvl6pPr indent="-298450" lvl="5" marL="2743200">
+            <a:lvl6pPr marL="2743200" lvl="5" indent="-298450">
               <a:spcBef>
                 <a:spcPts val="0"/>
               </a:spcBef>
@@ -377,7 +396,7 @@
               <a:buChar char="■"/>
               <a:defRPr sz="1100"/>
             </a:lvl6pPr>
-            <a:lvl7pPr indent="-298450" lvl="6" marL="3200400">
+            <a:lvl7pPr marL="3200400" lvl="6" indent="-298450">
               <a:spcBef>
                 <a:spcPts val="0"/>
               </a:spcBef>
@@ -388,7 +407,7 @@
               <a:buChar char="●"/>
               <a:defRPr sz="1100"/>
             </a:lvl7pPr>
-            <a:lvl8pPr indent="-298450" lvl="7" marL="3657600">
+            <a:lvl8pPr marL="3657600" lvl="7" indent="-298450">
               <a:spcBef>
                 <a:spcPts val="0"/>
               </a:spcBef>
@@ -399,7 +418,7 @@
               <a:buChar char="○"/>
               <a:defRPr sz="1100"/>
             </a:lvl8pPr>
-            <a:lvl9pPr indent="-298450" lvl="8" marL="4114800">
+            <a:lvl9pPr marL="4114800" lvl="8" indent="-298450">
               <a:spcBef>
                 <a:spcPts val="0"/>
               </a:spcBef>
@@ -411,21 +430,120 @@
               <a:defRPr sz="1100"/>
             </a:lvl9pPr>
           </a:lstStyle>
-          <a:p/>
+          <a:p>
+            <a:endParaRPr/>
+          </a:p>
         </p:txBody>
       </p:sp>
     </p:spTree>
+    <p:extLst>
+      <p:ext uri="{BB962C8B-B14F-4D97-AF65-F5344CB8AC3E}">
+        <p14:creationId xmlns:p14="http://schemas.microsoft.com/office/powerpoint/2010/main" val="488852680"/>
+      </p:ext>
+    </p:extLst>
   </p:cSld>
-  <p:clrMap accent1="accent1" accent2="accent2" accent3="accent3" accent4="accent4" accent5="accent5" accent6="accent6" bg1="lt1" bg2="dk2" tx1="dk1" tx2="lt2" folHlink="folHlink" hlink="hlink"/>
+  <p:clrMap bg1="lt1" tx1="dk1" bg2="dk2" tx2="lt2" accent1="accent1" accent2="accent2" accent3="accent3" accent4="accent4" accent5="accent5" accent6="accent6" hlink="hlink" folHlink="folHlink"/>
+  <p:notesStyle>
+    <a:lvl1pPr marL="0" algn="l" defTabSz="914400" rtl="0" eaLnBrk="1" latinLnBrk="0" hangingPunct="1">
+      <a:defRPr sz="1200" kern="1200">
+        <a:solidFill>
+          <a:schemeClr val="tx1"/>
+        </a:solidFill>
+        <a:latin typeface="+mn-lt"/>
+        <a:ea typeface="+mn-ea"/>
+        <a:cs typeface="+mn-cs"/>
+      </a:defRPr>
+    </a:lvl1pPr>
+    <a:lvl2pPr marL="457200" algn="l" defTabSz="914400" rtl="0" eaLnBrk="1" latinLnBrk="0" hangingPunct="1">
+      <a:defRPr sz="1200" kern="1200">
+        <a:solidFill>
+          <a:schemeClr val="tx1"/>
+        </a:solidFill>
+        <a:latin typeface="+mn-lt"/>
+        <a:ea typeface="+mn-ea"/>
+        <a:cs typeface="+mn-cs"/>
+      </a:defRPr>
+    </a:lvl2pPr>
+    <a:lvl3pPr marL="914400" algn="l" defTabSz="914400" rtl="0" eaLnBrk="1" latinLnBrk="0" hangingPunct="1">
+      <a:defRPr sz="1200" kern="1200">
+        <a:solidFill>
+          <a:schemeClr val="tx1"/>
+        </a:solidFill>
+        <a:latin typeface="+mn-lt"/>
+        <a:ea typeface="+mn-ea"/>
+        <a:cs typeface="+mn-cs"/>
+      </a:defRPr>
+    </a:lvl3pPr>
+    <a:lvl4pPr marL="1371600" algn="l" defTabSz="914400" rtl="0" eaLnBrk="1" latinLnBrk="0" hangingPunct="1">
+      <a:defRPr sz="1200" kern="1200">
+        <a:solidFill>
+          <a:schemeClr val="tx1"/>
+        </a:solidFill>
+        <a:latin typeface="+mn-lt"/>
+        <a:ea typeface="+mn-ea"/>
+        <a:cs typeface="+mn-cs"/>
+      </a:defRPr>
+    </a:lvl4pPr>
+    <a:lvl5pPr marL="1828800" algn="l" defTabSz="914400" rtl="0" eaLnBrk="1" latinLnBrk="0" hangingPunct="1">
+      <a:defRPr sz="1200" kern="1200">
+        <a:solidFill>
+          <a:schemeClr val="tx1"/>
+        </a:solidFill>
+        <a:latin typeface="+mn-lt"/>
+        <a:ea typeface="+mn-ea"/>
+        <a:cs typeface="+mn-cs"/>
+      </a:defRPr>
+    </a:lvl5pPr>
+    <a:lvl6pPr marL="2286000" algn="l" defTabSz="914400" rtl="0" eaLnBrk="1" latinLnBrk="0" hangingPunct="1">
+      <a:defRPr sz="1200" kern="1200">
+        <a:solidFill>
+          <a:schemeClr val="tx1"/>
+        </a:solidFill>
+        <a:latin typeface="+mn-lt"/>
+        <a:ea typeface="+mn-ea"/>
+        <a:cs typeface="+mn-cs"/>
+      </a:defRPr>
+    </a:lvl6pPr>
+    <a:lvl7pPr marL="2743200" algn="l" defTabSz="914400" rtl="0" eaLnBrk="1" latinLnBrk="0" hangingPunct="1">
+      <a:defRPr sz="1200" kern="1200">
+        <a:solidFill>
+          <a:schemeClr val="tx1"/>
+        </a:solidFill>
+        <a:latin typeface="+mn-lt"/>
+        <a:ea typeface="+mn-ea"/>
+        <a:cs typeface="+mn-cs"/>
+      </a:defRPr>
+    </a:lvl7pPr>
+    <a:lvl8pPr marL="3200400" algn="l" defTabSz="914400" rtl="0" eaLnBrk="1" latinLnBrk="0" hangingPunct="1">
+      <a:defRPr sz="1200" kern="1200">
+        <a:solidFill>
+          <a:schemeClr val="tx1"/>
+        </a:solidFill>
+        <a:latin typeface="+mn-lt"/>
+        <a:ea typeface="+mn-ea"/>
+        <a:cs typeface="+mn-cs"/>
+      </a:defRPr>
+    </a:lvl8pPr>
+    <a:lvl9pPr marL="3657600" algn="l" defTabSz="914400" rtl="0" eaLnBrk="1" latinLnBrk="0" hangingPunct="1">
+      <a:defRPr sz="1200" kern="1200">
+        <a:solidFill>
+          <a:schemeClr val="tx1"/>
+        </a:solidFill>
+        <a:latin typeface="+mn-lt"/>
+        <a:ea typeface="+mn-ea"/>
+        <a:cs typeface="+mn-cs"/>
+      </a:defRPr>
+    </a:lvl9pPr>
+  </p:notesStyle>
 </p:notesMaster>
 </file>
 
 <file path=ppt/notesSlides/notesSlide1.xml><?xml version="1.0" encoding="utf-8"?>
-<p:notes xmlns:a="http://schemas.openxmlformats.org/drawingml/2006/main" xmlns:r="http://schemas.openxmlformats.org/officeDocument/2006/relationships" xmlns:mc="http://schemas.openxmlformats.org/markup-compatibility/2006" xmlns:mv="urn:schemas-microsoft-com:mac:vml" xmlns:p="http://schemas.openxmlformats.org/presentationml/2006/main" xmlns:c="http://schemas.openxmlformats.org/drawingml/2006/chart" xmlns:dgm="http://schemas.openxmlformats.org/drawingml/2006/diagram" xmlns:o="urn:schemas-microsoft-com:office:office" xmlns:v="urn:schemas-microsoft-com:vml" xmlns:pvml="urn:schemas-microsoft-com:office:powerpoint" xmlns:com="http://schemas.openxmlformats.org/drawingml/2006/compatibility" xmlns:p14="http://schemas.microsoft.com/office/powerpoint/2010/main" xmlns:p15="http://schemas.microsoft.com/office/powerpoint/2012/main" showMasterPhAnim="0" showMasterSp="0">
+<p:notes xmlns:a="http://schemas.openxmlformats.org/drawingml/2006/main" xmlns:r="http://schemas.openxmlformats.org/officeDocument/2006/relationships" xmlns:p="http://schemas.openxmlformats.org/presentationml/2006/main" showMasterSp="0" showMasterPhAnim="0">
   <p:cSld>
     <p:spTree>
       <p:nvGrpSpPr>
-        <p:cNvPr id="63" name="Shape 63"/>
+        <p:cNvPr id="1" name="Shape 63"/>
         <p:cNvGrpSpPr/>
         <p:nvPr/>
       </p:nvGrpSpPr>
@@ -440,19 +558,26 @@
       <p:sp>
         <p:nvSpPr>
           <p:cNvPr id="64" name="Shape 64"/>
-          <p:cNvSpPr/>
+          <p:cNvSpPr>
+            <a:spLocks noGrp="1" noRot="1" noChangeAspect="1"/>
+          </p:cNvSpPr>
           <p:nvPr>
-            <p:ph idx="2" type="sldImg"/>
+            <p:ph type="sldImg" idx="2"/>
           </p:nvPr>
         </p:nvSpPr>
         <p:spPr>
           <a:xfrm>
-            <a:off x="381300" y="685800"/>
+            <a:off x="381000" y="685800"/>
             <a:ext cx="6096000" cy="3429000"/>
           </a:xfrm>
           <a:custGeom>
+            <a:avLst/>
+            <a:gdLst/>
+            <a:ahLst/>
+            <a:cxnLst/>
+            <a:rect l="0" t="0" r="0" b="0"/>
             <a:pathLst>
-              <a:path extrusionOk="0" h="120000" w="120000">
+              <a:path w="120000" h="120000" extrusionOk="0">
                 <a:moveTo>
                   <a:pt x="0" y="0"/>
                 </a:moveTo>
@@ -474,9 +599,11 @@
       <p:sp>
         <p:nvSpPr>
           <p:cNvPr id="65" name="Shape 65"/>
-          <p:cNvSpPr txBox="1"/>
+          <p:cNvSpPr txBox="1">
+            <a:spLocks noGrp="1"/>
+          </p:cNvSpPr>
           <p:nvPr>
-            <p:ph idx="1" type="body"/>
+            <p:ph type="body" idx="1"/>
           </p:nvPr>
         </p:nvSpPr>
         <p:spPr>
@@ -489,12 +616,12 @@
           </a:prstGeom>
         </p:spPr>
         <p:txBody>
-          <a:bodyPr anchorCtr="0" anchor="t" bIns="91425" lIns="91425" spcFirstLastPara="1" rIns="91425" wrap="square" tIns="91425">
+          <a:bodyPr spcFirstLastPara="1" wrap="square" lIns="91425" tIns="91425" rIns="91425" bIns="91425" anchor="t" anchorCtr="0">
             <a:noAutofit/>
           </a:bodyPr>
           <a:lstStyle/>
           <a:p>
-            <a:pPr indent="0" lvl="0" marL="0">
+            <a:pPr marL="0" lvl="0" indent="0">
               <a:spcBef>
                 <a:spcPts val="0"/>
               </a:spcBef>
@@ -503,14 +630,16 @@
               </a:spcAft>
               <a:buNone/>
             </a:pPr>
-            <a:r>
-              <a:t/>
-            </a:r>
             <a:endParaRPr/>
           </a:p>
         </p:txBody>
       </p:sp>
     </p:spTree>
+    <p:extLst>
+      <p:ext uri="{BB962C8B-B14F-4D97-AF65-F5344CB8AC3E}">
+        <p14:creationId xmlns:p14="http://schemas.microsoft.com/office/powerpoint/2010/main" val="2366640298"/>
+      </p:ext>
+    </p:extLst>
   </p:cSld>
   <p:clrMapOvr>
     <a:masterClrMapping/>
@@ -519,11 +648,11 @@
 </file>
 
 <file path=ppt/slideLayouts/slideLayout1.xml><?xml version="1.0" encoding="utf-8"?>
-<p:sldLayout xmlns:a="http://schemas.openxmlformats.org/drawingml/2006/main" xmlns:r="http://schemas.openxmlformats.org/officeDocument/2006/relationships" xmlns:mc="http://schemas.openxmlformats.org/markup-compatibility/2006" xmlns:mv="urn:schemas-microsoft-com:mac:vml" xmlns:p="http://schemas.openxmlformats.org/presentationml/2006/main" xmlns:c="http://schemas.openxmlformats.org/drawingml/2006/chart" xmlns:dgm="http://schemas.openxmlformats.org/drawingml/2006/diagram" xmlns:o="urn:schemas-microsoft-com:office:office" xmlns:v="urn:schemas-microsoft-com:vml" xmlns:pvml="urn:schemas-microsoft-com:office:powerpoint" xmlns:com="http://schemas.openxmlformats.org/drawingml/2006/compatibility" xmlns:p14="http://schemas.microsoft.com/office/powerpoint/2010/main" xmlns:p15="http://schemas.microsoft.com/office/powerpoint/2012/main" type="title">
+<p:sldLayout xmlns:a="http://schemas.openxmlformats.org/drawingml/2006/main" xmlns:r="http://schemas.openxmlformats.org/officeDocument/2006/relationships" xmlns:p="http://schemas.openxmlformats.org/presentationml/2006/main" type="title">
   <p:cSld name="Title slide">
     <p:spTree>
       <p:nvGrpSpPr>
-        <p:cNvPr id="9" name="Shape 9"/>
+        <p:cNvPr id="1" name="Shape 9"/>
         <p:cNvGrpSpPr/>
         <p:nvPr/>
       </p:nvGrpSpPr>
@@ -557,12 +686,12 @@
           </a:ln>
         </p:spPr>
         <p:txBody>
-          <a:bodyPr anchorCtr="0" anchor="ctr" bIns="91425" lIns="91425" spcFirstLastPara="1" rIns="91425" wrap="square" tIns="91425">
+          <a:bodyPr spcFirstLastPara="1" wrap="square" lIns="91425" tIns="91425" rIns="91425" bIns="91425" anchor="ctr" anchorCtr="0">
             <a:noAutofit/>
           </a:bodyPr>
           <a:lstStyle/>
           <a:p>
-            <a:pPr indent="0" lvl="0" marL="0">
+            <a:pPr marL="0" lvl="0" indent="0">
               <a:spcBef>
                 <a:spcPts val="0"/>
               </a:spcBef>
@@ -571,9 +700,6 @@
               </a:spcAft>
               <a:buNone/>
             </a:pPr>
-            <a:r>
-              <a:t/>
-            </a:r>
             <a:endParaRPr/>
           </a:p>
         </p:txBody>
@@ -591,7 +717,7 @@
           </a:xfrm>
           <a:prstGeom prst="round1Rect">
             <a:avLst>
-              <a:gd fmla="val 16667" name="adj"/>
+              <a:gd name="adj" fmla="val 16667"/>
             </a:avLst>
           </a:prstGeom>
           <a:solidFill>
@@ -604,12 +730,12 @@
           </a:ln>
         </p:spPr>
         <p:txBody>
-          <a:bodyPr anchorCtr="0" anchor="ctr" bIns="91425" lIns="91425" spcFirstLastPara="1" rIns="91425" wrap="square" tIns="91425">
+          <a:bodyPr spcFirstLastPara="1" wrap="square" lIns="91425" tIns="91425" rIns="91425" bIns="91425" anchor="ctr" anchorCtr="0">
             <a:noAutofit/>
           </a:bodyPr>
           <a:lstStyle/>
           <a:p>
-            <a:pPr indent="0" lvl="0" marL="0">
+            <a:pPr marL="0" lvl="0" indent="0">
               <a:spcBef>
                 <a:spcPts val="0"/>
               </a:spcBef>
@@ -618,9 +744,6 @@
               </a:spcAft>
               <a:buNone/>
             </a:pPr>
-            <a:r>
-              <a:t/>
-            </a:r>
             <a:endParaRPr/>
           </a:p>
         </p:txBody>
@@ -628,7 +751,9 @@
       <p:sp>
         <p:nvSpPr>
           <p:cNvPr id="12" name="Shape 12"/>
-          <p:cNvSpPr txBox="1"/>
+          <p:cNvSpPr txBox="1">
+            <a:spLocks noGrp="1"/>
+          </p:cNvSpPr>
           <p:nvPr>
             <p:ph type="ctrTitle"/>
           </p:nvPr>
@@ -643,7 +768,7 @@
           </a:prstGeom>
         </p:spPr>
         <p:txBody>
-          <a:bodyPr anchorCtr="0" anchor="b" bIns="91425" lIns="91425" spcFirstLastPara="1" rIns="91425" wrap="square" tIns="91425"/>
+          <a:bodyPr spcFirstLastPara="1" wrap="square" lIns="91425" tIns="91425" rIns="91425" bIns="91425" anchor="b" anchorCtr="0"/>
           <a:lstStyle>
             <a:lvl1pPr lvl="0">
               <a:spcBef>
@@ -745,15 +870,19 @@
               <a:defRPr sz="4800"/>
             </a:lvl9pPr>
           </a:lstStyle>
-          <a:p/>
+          <a:p>
+            <a:endParaRPr/>
+          </a:p>
         </p:txBody>
       </p:sp>
       <p:sp>
         <p:nvSpPr>
           <p:cNvPr id="13" name="Shape 13"/>
-          <p:cNvSpPr txBox="1"/>
+          <p:cNvSpPr txBox="1">
+            <a:spLocks noGrp="1"/>
+          </p:cNvSpPr>
           <p:nvPr>
-            <p:ph idx="1" type="subTitle"/>
+            <p:ph type="subTitle" idx="1"/>
           </p:nvPr>
         </p:nvSpPr>
         <p:spPr>
@@ -766,7 +895,7 @@
           </a:prstGeom>
         </p:spPr>
         <p:txBody>
-          <a:bodyPr anchorCtr="0" anchor="t" bIns="91425" lIns="91425" spcFirstLastPara="1" rIns="91425" wrap="square" tIns="91425"/>
+          <a:bodyPr spcFirstLastPara="1" wrap="square" lIns="91425" tIns="91425" rIns="91425" bIns="91425" anchor="t" anchorCtr="0"/>
           <a:lstStyle>
             <a:lvl1pPr lvl="0">
               <a:lnSpc>
@@ -958,15 +1087,19 @@
               </a:defRPr>
             </a:lvl9pPr>
           </a:lstStyle>
-          <a:p/>
+          <a:p>
+            <a:endParaRPr/>
+          </a:p>
         </p:txBody>
       </p:sp>
       <p:sp>
         <p:nvSpPr>
           <p:cNvPr id="14" name="Shape 14"/>
-          <p:cNvSpPr txBox="1"/>
+          <p:cNvSpPr txBox="1">
+            <a:spLocks noGrp="1"/>
+          </p:cNvSpPr>
           <p:nvPr>
-            <p:ph idx="12" type="sldNum"/>
+            <p:ph type="sldNum" idx="12"/>
           </p:nvPr>
         </p:nvSpPr>
         <p:spPr>
@@ -979,12 +1112,12 @@
           </a:prstGeom>
         </p:spPr>
         <p:txBody>
-          <a:bodyPr anchorCtr="0" anchor="ctr" bIns="91425" lIns="91425" spcFirstLastPara="1" rIns="91425" wrap="square" tIns="91425">
+          <a:bodyPr spcFirstLastPara="1" wrap="square" lIns="91425" tIns="91425" rIns="91425" bIns="91425" anchor="ctr" anchorCtr="0">
             <a:noAutofit/>
           </a:bodyPr>
           <a:lstStyle/>
           <a:p>
-            <a:pPr indent="0" lvl="0" marL="0">
+            <a:pPr marL="0" lvl="0" indent="0">
               <a:spcBef>
                 <a:spcPts val="0"/>
               </a:spcBef>
@@ -1010,18 +1143,19 @@
 </file>
 
 <file path=ppt/slideLayouts/slideLayout10.xml><?xml version="1.0" encoding="utf-8"?>
-<p:sldLayout xmlns:a="http://schemas.openxmlformats.org/drawingml/2006/main" xmlns:r="http://schemas.openxmlformats.org/officeDocument/2006/relationships" xmlns:mc="http://schemas.openxmlformats.org/markup-compatibility/2006" xmlns:mv="urn:schemas-microsoft-com:mac:vml" xmlns:p="http://schemas.openxmlformats.org/presentationml/2006/main" xmlns:c="http://schemas.openxmlformats.org/drawingml/2006/chart" xmlns:dgm="http://schemas.openxmlformats.org/drawingml/2006/diagram" xmlns:o="urn:schemas-microsoft-com:office:office" xmlns:v="urn:schemas-microsoft-com:vml" xmlns:pvml="urn:schemas-microsoft-com:office:powerpoint" xmlns:com="http://schemas.openxmlformats.org/drawingml/2006/compatibility" xmlns:p14="http://schemas.microsoft.com/office/powerpoint/2010/main" xmlns:p15="http://schemas.microsoft.com/office/powerpoint/2012/main">
+<p:sldLayout xmlns:a="http://schemas.openxmlformats.org/drawingml/2006/main" xmlns:r="http://schemas.openxmlformats.org/officeDocument/2006/relationships" xmlns:p="http://schemas.openxmlformats.org/presentationml/2006/main">
   <p:cSld name="Big number">
     <p:bg>
       <p:bgPr>
         <a:solidFill>
           <a:schemeClr val="accent4"/>
         </a:solidFill>
+        <a:effectLst/>
       </p:bgPr>
     </p:bg>
     <p:spTree>
       <p:nvGrpSpPr>
-        <p:cNvPr id="57" name="Shape 57"/>
+        <p:cNvPr id="1" name="Shape 57"/>
         <p:cNvGrpSpPr/>
         <p:nvPr/>
       </p:nvGrpSpPr>
@@ -1036,7 +1170,9 @@
       <p:sp>
         <p:nvSpPr>
           <p:cNvPr id="58" name="Shape 58"/>
-          <p:cNvSpPr txBox="1"/>
+          <p:cNvSpPr txBox="1">
+            <a:spLocks noGrp="1"/>
+          </p:cNvSpPr>
           <p:nvPr>
             <p:ph type="title"/>
           </p:nvPr>
@@ -1051,7 +1187,7 @@
           </a:prstGeom>
         </p:spPr>
         <p:txBody>
-          <a:bodyPr anchorCtr="0" anchor="b" bIns="91425" lIns="91425" spcFirstLastPara="1" rIns="91425" wrap="square" tIns="91425"/>
+          <a:bodyPr spcFirstLastPara="1" wrap="square" lIns="91425" tIns="91425" rIns="91425" bIns="91425" anchor="b" anchorCtr="0"/>
           <a:lstStyle>
             <a:lvl1pPr lvl="0" algn="ctr">
               <a:spcBef>
@@ -1216,15 +1352,19 @@
               </a:defRPr>
             </a:lvl9pPr>
           </a:lstStyle>
-          <a:p/>
+          <a:p>
+            <a:endParaRPr/>
+          </a:p>
         </p:txBody>
       </p:sp>
       <p:sp>
         <p:nvSpPr>
           <p:cNvPr id="59" name="Shape 59"/>
-          <p:cNvSpPr txBox="1"/>
+          <p:cNvSpPr txBox="1">
+            <a:spLocks noGrp="1"/>
+          </p:cNvSpPr>
           <p:nvPr>
-            <p:ph idx="1" type="body"/>
+            <p:ph type="body" idx="1"/>
           </p:nvPr>
         </p:nvSpPr>
         <p:spPr>
@@ -1237,9 +1377,9 @@
           </a:prstGeom>
         </p:spPr>
         <p:txBody>
-          <a:bodyPr anchorCtr="0" anchor="t" bIns="91425" lIns="91425" spcFirstLastPara="1" rIns="91425" wrap="square" tIns="91425"/>
+          <a:bodyPr spcFirstLastPara="1" wrap="square" lIns="91425" tIns="91425" rIns="91425" bIns="91425" anchor="t" anchorCtr="0"/>
           <a:lstStyle>
-            <a:lvl1pPr indent="-342900" lvl="0" marL="457200" algn="ctr">
+            <a:lvl1pPr marL="457200" lvl="0" indent="-342900" algn="ctr">
               <a:spcBef>
                 <a:spcPts val="0"/>
               </a:spcBef>
@@ -1250,7 +1390,7 @@
               <a:buChar char="●"/>
               <a:defRPr/>
             </a:lvl1pPr>
-            <a:lvl2pPr indent="-317500" lvl="1" marL="914400" algn="ctr">
+            <a:lvl2pPr marL="914400" lvl="1" indent="-317500" algn="ctr">
               <a:spcBef>
                 <a:spcPts val="1600"/>
               </a:spcBef>
@@ -1261,7 +1401,7 @@
               <a:buChar char="○"/>
               <a:defRPr/>
             </a:lvl2pPr>
-            <a:lvl3pPr indent="-317500" lvl="2" marL="1371600" algn="ctr">
+            <a:lvl3pPr marL="1371600" lvl="2" indent="-317500" algn="ctr">
               <a:spcBef>
                 <a:spcPts val="1600"/>
               </a:spcBef>
@@ -1272,7 +1412,7 @@
               <a:buChar char="■"/>
               <a:defRPr/>
             </a:lvl3pPr>
-            <a:lvl4pPr indent="-317500" lvl="3" marL="1828800" algn="ctr">
+            <a:lvl4pPr marL="1828800" lvl="3" indent="-317500" algn="ctr">
               <a:spcBef>
                 <a:spcPts val="1600"/>
               </a:spcBef>
@@ -1283,7 +1423,7 @@
               <a:buChar char="●"/>
               <a:defRPr/>
             </a:lvl4pPr>
-            <a:lvl5pPr indent="-317500" lvl="4" marL="2286000" algn="ctr">
+            <a:lvl5pPr marL="2286000" lvl="4" indent="-317500" algn="ctr">
               <a:spcBef>
                 <a:spcPts val="1600"/>
               </a:spcBef>
@@ -1294,7 +1434,7 @@
               <a:buChar char="○"/>
               <a:defRPr/>
             </a:lvl5pPr>
-            <a:lvl6pPr indent="-317500" lvl="5" marL="2743200" algn="ctr">
+            <a:lvl6pPr marL="2743200" lvl="5" indent="-317500" algn="ctr">
               <a:spcBef>
                 <a:spcPts val="1600"/>
               </a:spcBef>
@@ -1305,7 +1445,7 @@
               <a:buChar char="■"/>
               <a:defRPr/>
             </a:lvl6pPr>
-            <a:lvl7pPr indent="-317500" lvl="6" marL="3200400" algn="ctr">
+            <a:lvl7pPr marL="3200400" lvl="6" indent="-317500" algn="ctr">
               <a:spcBef>
                 <a:spcPts val="1600"/>
               </a:spcBef>
@@ -1316,7 +1456,7 @@
               <a:buChar char="●"/>
               <a:defRPr/>
             </a:lvl7pPr>
-            <a:lvl8pPr indent="-317500" lvl="7" marL="3657600" algn="ctr">
+            <a:lvl8pPr marL="3657600" lvl="7" indent="-317500" algn="ctr">
               <a:spcBef>
                 <a:spcPts val="1600"/>
               </a:spcBef>
@@ -1327,7 +1467,7 @@
               <a:buChar char="○"/>
               <a:defRPr/>
             </a:lvl8pPr>
-            <a:lvl9pPr indent="-317500" lvl="8" marL="4114800" algn="ctr">
+            <a:lvl9pPr marL="4114800" lvl="8" indent="-317500" algn="ctr">
               <a:spcBef>
                 <a:spcPts val="1600"/>
               </a:spcBef>
@@ -1339,15 +1479,19 @@
               <a:defRPr/>
             </a:lvl9pPr>
           </a:lstStyle>
-          <a:p/>
+          <a:p>
+            <a:endParaRPr/>
+          </a:p>
         </p:txBody>
       </p:sp>
       <p:sp>
         <p:nvSpPr>
           <p:cNvPr id="60" name="Shape 60"/>
-          <p:cNvSpPr txBox="1"/>
+          <p:cNvSpPr txBox="1">
+            <a:spLocks noGrp="1"/>
+          </p:cNvSpPr>
           <p:nvPr>
-            <p:ph idx="12" type="sldNum"/>
+            <p:ph type="sldNum" idx="12"/>
           </p:nvPr>
         </p:nvSpPr>
         <p:spPr>
@@ -1360,12 +1504,12 @@
           </a:prstGeom>
         </p:spPr>
         <p:txBody>
-          <a:bodyPr anchorCtr="0" anchor="ctr" bIns="91425" lIns="91425" spcFirstLastPara="1" rIns="91425" wrap="square" tIns="91425">
+          <a:bodyPr spcFirstLastPara="1" wrap="square" lIns="91425" tIns="91425" rIns="91425" bIns="91425" anchor="ctr" anchorCtr="0">
             <a:noAutofit/>
           </a:bodyPr>
           <a:lstStyle/>
           <a:p>
-            <a:pPr indent="0" lvl="0" marL="0">
+            <a:pPr marL="0" lvl="0" indent="0">
               <a:spcBef>
                 <a:spcPts val="0"/>
               </a:spcBef>
@@ -1391,18 +1535,19 @@
 </file>
 
 <file path=ppt/slideLayouts/slideLayout11.xml><?xml version="1.0" encoding="utf-8"?>
-<p:sldLayout xmlns:a="http://schemas.openxmlformats.org/drawingml/2006/main" xmlns:r="http://schemas.openxmlformats.org/officeDocument/2006/relationships" xmlns:mc="http://schemas.openxmlformats.org/markup-compatibility/2006" xmlns:mv="urn:schemas-microsoft-com:mac:vml" xmlns:p="http://schemas.openxmlformats.org/presentationml/2006/main" xmlns:c="http://schemas.openxmlformats.org/drawingml/2006/chart" xmlns:dgm="http://schemas.openxmlformats.org/drawingml/2006/diagram" xmlns:o="urn:schemas-microsoft-com:office:office" xmlns:v="urn:schemas-microsoft-com:vml" xmlns:pvml="urn:schemas-microsoft-com:office:powerpoint" xmlns:com="http://schemas.openxmlformats.org/drawingml/2006/compatibility" xmlns:p14="http://schemas.microsoft.com/office/powerpoint/2010/main" xmlns:p15="http://schemas.microsoft.com/office/powerpoint/2012/main" type="blank">
+<p:sldLayout xmlns:a="http://schemas.openxmlformats.org/drawingml/2006/main" xmlns:r="http://schemas.openxmlformats.org/officeDocument/2006/relationships" xmlns:p="http://schemas.openxmlformats.org/presentationml/2006/main" type="blank">
   <p:cSld name="Blank">
     <p:bg>
       <p:bgPr>
         <a:solidFill>
           <a:schemeClr val="accent4"/>
         </a:solidFill>
+        <a:effectLst/>
       </p:bgPr>
     </p:bg>
     <p:spTree>
       <p:nvGrpSpPr>
-        <p:cNvPr id="61" name="Shape 61"/>
+        <p:cNvPr id="1" name="Shape 61"/>
         <p:cNvGrpSpPr/>
         <p:nvPr/>
       </p:nvGrpSpPr>
@@ -1417,9 +1562,11 @@
       <p:sp>
         <p:nvSpPr>
           <p:cNvPr id="62" name="Shape 62"/>
-          <p:cNvSpPr txBox="1"/>
+          <p:cNvSpPr txBox="1">
+            <a:spLocks noGrp="1"/>
+          </p:cNvSpPr>
           <p:nvPr>
-            <p:ph idx="12" type="sldNum"/>
+            <p:ph type="sldNum" idx="12"/>
           </p:nvPr>
         </p:nvSpPr>
         <p:spPr>
@@ -1432,12 +1579,12 @@
           </a:prstGeom>
         </p:spPr>
         <p:txBody>
-          <a:bodyPr anchorCtr="0" anchor="ctr" bIns="91425" lIns="91425" spcFirstLastPara="1" rIns="91425" wrap="square" tIns="91425">
+          <a:bodyPr spcFirstLastPara="1" wrap="square" lIns="91425" tIns="91425" rIns="91425" bIns="91425" anchor="ctr" anchorCtr="0">
             <a:noAutofit/>
           </a:bodyPr>
           <a:lstStyle/>
           <a:p>
-            <a:pPr indent="0" lvl="0" marL="0">
+            <a:pPr marL="0" lvl="0" indent="0">
               <a:spcBef>
                 <a:spcPts val="0"/>
               </a:spcBef>
@@ -1463,11 +1610,11 @@
 </file>
 
 <file path=ppt/slideLayouts/slideLayout2.xml><?xml version="1.0" encoding="utf-8"?>
-<p:sldLayout xmlns:a="http://schemas.openxmlformats.org/drawingml/2006/main" xmlns:r="http://schemas.openxmlformats.org/officeDocument/2006/relationships" xmlns:mc="http://schemas.openxmlformats.org/markup-compatibility/2006" xmlns:mv="urn:schemas-microsoft-com:mac:vml" xmlns:p="http://schemas.openxmlformats.org/presentationml/2006/main" xmlns:c="http://schemas.openxmlformats.org/drawingml/2006/chart" xmlns:dgm="http://schemas.openxmlformats.org/drawingml/2006/diagram" xmlns:o="urn:schemas-microsoft-com:office:office" xmlns:v="urn:schemas-microsoft-com:vml" xmlns:pvml="urn:schemas-microsoft-com:office:powerpoint" xmlns:com="http://schemas.openxmlformats.org/drawingml/2006/compatibility" xmlns:p14="http://schemas.microsoft.com/office/powerpoint/2010/main" xmlns:p15="http://schemas.microsoft.com/office/powerpoint/2012/main" type="secHead">
+<p:sldLayout xmlns:a="http://schemas.openxmlformats.org/drawingml/2006/main" xmlns:r="http://schemas.openxmlformats.org/officeDocument/2006/relationships" xmlns:p="http://schemas.openxmlformats.org/presentationml/2006/main" type="secHead">
   <p:cSld name="Section header">
     <p:spTree>
       <p:nvGrpSpPr>
-        <p:cNvPr id="15" name="Shape 15"/>
+        <p:cNvPr id="1" name="Shape 15"/>
         <p:cNvGrpSpPr/>
         <p:nvPr/>
       </p:nvGrpSpPr>
@@ -1482,7 +1629,9 @@
       <p:sp>
         <p:nvSpPr>
           <p:cNvPr id="16" name="Shape 16"/>
-          <p:cNvSpPr txBox="1"/>
+          <p:cNvSpPr txBox="1">
+            <a:spLocks noGrp="1"/>
+          </p:cNvSpPr>
           <p:nvPr>
             <p:ph type="title"/>
           </p:nvPr>
@@ -1497,7 +1646,7 @@
           </a:prstGeom>
         </p:spPr>
         <p:txBody>
-          <a:bodyPr anchorCtr="0" anchor="ctr" bIns="91425" lIns="91425" spcFirstLastPara="1" rIns="91425" wrap="square" tIns="91425"/>
+          <a:bodyPr spcFirstLastPara="1" wrap="square" lIns="91425" tIns="91425" rIns="91425" bIns="91425" anchor="ctr" anchorCtr="0"/>
           <a:lstStyle>
             <a:lvl1pPr lvl="0">
               <a:spcBef>
@@ -1599,15 +1748,19 @@
               <a:defRPr sz="4200"/>
             </a:lvl9pPr>
           </a:lstStyle>
-          <a:p/>
+          <a:p>
+            <a:endParaRPr/>
+          </a:p>
         </p:txBody>
       </p:sp>
       <p:sp>
         <p:nvSpPr>
           <p:cNvPr id="17" name="Shape 17"/>
-          <p:cNvSpPr txBox="1"/>
+          <p:cNvSpPr txBox="1">
+            <a:spLocks noGrp="1"/>
+          </p:cNvSpPr>
           <p:nvPr>
-            <p:ph idx="12" type="sldNum"/>
+            <p:ph type="sldNum" idx="12"/>
           </p:nvPr>
         </p:nvSpPr>
         <p:spPr>
@@ -1620,12 +1773,12 @@
           </a:prstGeom>
         </p:spPr>
         <p:txBody>
-          <a:bodyPr anchorCtr="0" anchor="ctr" bIns="91425" lIns="91425" spcFirstLastPara="1" rIns="91425" wrap="square" tIns="91425">
+          <a:bodyPr spcFirstLastPara="1" wrap="square" lIns="91425" tIns="91425" rIns="91425" bIns="91425" anchor="ctr" anchorCtr="0">
             <a:noAutofit/>
           </a:bodyPr>
           <a:lstStyle/>
           <a:p>
-            <a:pPr indent="0" lvl="0" marL="0">
+            <a:pPr marL="0" lvl="0" indent="0">
               <a:spcBef>
                 <a:spcPts val="0"/>
               </a:spcBef>
@@ -1659,11 +1812,11 @@
 </file>
 
 <file path=ppt/slideLayouts/slideLayout3.xml><?xml version="1.0" encoding="utf-8"?>
-<p:sldLayout xmlns:a="http://schemas.openxmlformats.org/drawingml/2006/main" xmlns:r="http://schemas.openxmlformats.org/officeDocument/2006/relationships" xmlns:mc="http://schemas.openxmlformats.org/markup-compatibility/2006" xmlns:mv="urn:schemas-microsoft-com:mac:vml" xmlns:p="http://schemas.openxmlformats.org/presentationml/2006/main" xmlns:c="http://schemas.openxmlformats.org/drawingml/2006/chart" xmlns:dgm="http://schemas.openxmlformats.org/drawingml/2006/diagram" xmlns:o="urn:schemas-microsoft-com:office:office" xmlns:v="urn:schemas-microsoft-com:vml" xmlns:pvml="urn:schemas-microsoft-com:office:powerpoint" xmlns:com="http://schemas.openxmlformats.org/drawingml/2006/compatibility" xmlns:p14="http://schemas.microsoft.com/office/powerpoint/2010/main" xmlns:p15="http://schemas.microsoft.com/office/powerpoint/2012/main" type="tx">
+<p:sldLayout xmlns:a="http://schemas.openxmlformats.org/drawingml/2006/main" xmlns:r="http://schemas.openxmlformats.org/officeDocument/2006/relationships" xmlns:p="http://schemas.openxmlformats.org/presentationml/2006/main" type="tx">
   <p:cSld name="Title and body">
     <p:spTree>
       <p:nvGrpSpPr>
-        <p:cNvPr id="18" name="Shape 18"/>
+        <p:cNvPr id="1" name="Shape 18"/>
         <p:cNvGrpSpPr/>
         <p:nvPr/>
       </p:nvGrpSpPr>
@@ -1682,7 +1835,7 @@
           <p:nvPr/>
         </p:nvSpPr>
         <p:spPr>
-          <a:xfrm flipH="1" rot="10800000">
+          <a:xfrm rot="10800000" flipH="1">
             <a:off x="0" y="1686000"/>
             <a:ext cx="9144000" cy="3457500"/>
           </a:xfrm>
@@ -1697,12 +1850,12 @@
           </a:ln>
         </p:spPr>
         <p:txBody>
-          <a:bodyPr anchorCtr="0" anchor="ctr" bIns="91425" lIns="91425" spcFirstLastPara="1" rIns="91425" wrap="square" tIns="91425">
+          <a:bodyPr spcFirstLastPara="1" wrap="square" lIns="91425" tIns="91425" rIns="91425" bIns="91425" anchor="ctr" anchorCtr="0">
             <a:noAutofit/>
           </a:bodyPr>
           <a:lstStyle/>
           <a:p>
-            <a:pPr indent="0" lvl="0" marL="0">
+            <a:pPr marL="0" lvl="0" indent="0">
               <a:spcBef>
                 <a:spcPts val="0"/>
               </a:spcBef>
@@ -1711,9 +1864,6 @@
               </a:spcAft>
               <a:buNone/>
             </a:pPr>
-            <a:r>
-              <a:t/>
-            </a:r>
             <a:endParaRPr/>
           </a:p>
         </p:txBody>
@@ -1754,12 +1904,12 @@
           </a:ln>
         </p:spPr>
         <p:txBody>
-          <a:bodyPr anchorCtr="0" anchor="ctr" bIns="91425" lIns="91425" spcFirstLastPara="1" rIns="91425" wrap="square" tIns="91425">
+          <a:bodyPr spcFirstLastPara="1" wrap="square" lIns="91425" tIns="91425" rIns="91425" bIns="91425" anchor="ctr" anchorCtr="0">
             <a:noAutofit/>
           </a:bodyPr>
           <a:lstStyle/>
           <a:p>
-            <a:pPr indent="0" lvl="0" marL="0">
+            <a:pPr marL="0" lvl="0" indent="0">
               <a:spcBef>
                 <a:spcPts val="0"/>
               </a:spcBef>
@@ -1768,9 +1918,6 @@
               </a:spcAft>
               <a:buNone/>
             </a:pPr>
-            <a:r>
-              <a:t/>
-            </a:r>
             <a:endParaRPr/>
           </a:p>
         </p:txBody>
@@ -1778,7 +1925,9 @@
       <p:sp>
         <p:nvSpPr>
           <p:cNvPr id="21" name="Shape 21"/>
-          <p:cNvSpPr txBox="1"/>
+          <p:cNvSpPr txBox="1">
+            <a:spLocks noGrp="1"/>
+          </p:cNvSpPr>
           <p:nvPr>
             <p:ph type="title"/>
           </p:nvPr>
@@ -1793,7 +1942,7 @@
           </a:prstGeom>
         </p:spPr>
         <p:txBody>
-          <a:bodyPr anchorCtr="0" anchor="b" bIns="91425" lIns="91425" spcFirstLastPara="1" rIns="91425" wrap="square" tIns="91425"/>
+          <a:bodyPr spcFirstLastPara="1" wrap="square" lIns="91425" tIns="91425" rIns="91425" bIns="91425" anchor="b" anchorCtr="0"/>
           <a:lstStyle>
             <a:lvl1pPr lvl="0">
               <a:spcBef>
@@ -1895,15 +2044,19 @@
               <a:defRPr/>
             </a:lvl9pPr>
           </a:lstStyle>
-          <a:p/>
+          <a:p>
+            <a:endParaRPr/>
+          </a:p>
         </p:txBody>
       </p:sp>
       <p:sp>
         <p:nvSpPr>
           <p:cNvPr id="22" name="Shape 22"/>
-          <p:cNvSpPr txBox="1"/>
+          <p:cNvSpPr txBox="1">
+            <a:spLocks noGrp="1"/>
+          </p:cNvSpPr>
           <p:nvPr>
-            <p:ph idx="1" type="body"/>
+            <p:ph type="body" idx="1"/>
           </p:nvPr>
         </p:nvSpPr>
         <p:spPr>
@@ -1916,9 +2069,9 @@
           </a:prstGeom>
         </p:spPr>
         <p:txBody>
-          <a:bodyPr anchorCtr="0" anchor="t" bIns="91425" lIns="91425" spcFirstLastPara="1" rIns="91425" wrap="square" tIns="91425"/>
+          <a:bodyPr spcFirstLastPara="1" wrap="square" lIns="91425" tIns="91425" rIns="91425" bIns="91425" anchor="t" anchorCtr="0"/>
           <a:lstStyle>
-            <a:lvl1pPr indent="-342900" lvl="0" marL="457200">
+            <a:lvl1pPr marL="457200" lvl="0" indent="-342900">
               <a:spcBef>
                 <a:spcPts val="0"/>
               </a:spcBef>
@@ -1929,7 +2082,7 @@
               <a:buChar char="●"/>
               <a:defRPr/>
             </a:lvl1pPr>
-            <a:lvl2pPr indent="-317500" lvl="1" marL="914400">
+            <a:lvl2pPr marL="914400" lvl="1" indent="-317500">
               <a:spcBef>
                 <a:spcPts val="1600"/>
               </a:spcBef>
@@ -1940,7 +2093,7 @@
               <a:buChar char="○"/>
               <a:defRPr/>
             </a:lvl2pPr>
-            <a:lvl3pPr indent="-317500" lvl="2" marL="1371600">
+            <a:lvl3pPr marL="1371600" lvl="2" indent="-317500">
               <a:spcBef>
                 <a:spcPts val="1600"/>
               </a:spcBef>
@@ -1951,7 +2104,7 @@
               <a:buChar char="■"/>
               <a:defRPr/>
             </a:lvl3pPr>
-            <a:lvl4pPr indent="-317500" lvl="3" marL="1828800">
+            <a:lvl4pPr marL="1828800" lvl="3" indent="-317500">
               <a:spcBef>
                 <a:spcPts val="1600"/>
               </a:spcBef>
@@ -1962,7 +2115,7 @@
               <a:buChar char="●"/>
               <a:defRPr/>
             </a:lvl4pPr>
-            <a:lvl5pPr indent="-317500" lvl="4" marL="2286000">
+            <a:lvl5pPr marL="2286000" lvl="4" indent="-317500">
               <a:spcBef>
                 <a:spcPts val="1600"/>
               </a:spcBef>
@@ -1973,7 +2126,7 @@
               <a:buChar char="○"/>
               <a:defRPr/>
             </a:lvl5pPr>
-            <a:lvl6pPr indent="-317500" lvl="5" marL="2743200">
+            <a:lvl6pPr marL="2743200" lvl="5" indent="-317500">
               <a:spcBef>
                 <a:spcPts val="1600"/>
               </a:spcBef>
@@ -1984,7 +2137,7 @@
               <a:buChar char="■"/>
               <a:defRPr/>
             </a:lvl6pPr>
-            <a:lvl7pPr indent="-317500" lvl="6" marL="3200400">
+            <a:lvl7pPr marL="3200400" lvl="6" indent="-317500">
               <a:spcBef>
                 <a:spcPts val="1600"/>
               </a:spcBef>
@@ -1995,7 +2148,7 @@
               <a:buChar char="●"/>
               <a:defRPr/>
             </a:lvl7pPr>
-            <a:lvl8pPr indent="-317500" lvl="7" marL="3657600">
+            <a:lvl8pPr marL="3657600" lvl="7" indent="-317500">
               <a:spcBef>
                 <a:spcPts val="1600"/>
               </a:spcBef>
@@ -2006,7 +2159,7 @@
               <a:buChar char="○"/>
               <a:defRPr/>
             </a:lvl8pPr>
-            <a:lvl9pPr indent="-317500" lvl="8" marL="4114800">
+            <a:lvl9pPr marL="4114800" lvl="8" indent="-317500">
               <a:spcBef>
                 <a:spcPts val="1600"/>
               </a:spcBef>
@@ -2018,15 +2171,19 @@
               <a:defRPr/>
             </a:lvl9pPr>
           </a:lstStyle>
-          <a:p/>
+          <a:p>
+            <a:endParaRPr/>
+          </a:p>
         </p:txBody>
       </p:sp>
       <p:sp>
         <p:nvSpPr>
           <p:cNvPr id="23" name="Shape 23"/>
-          <p:cNvSpPr txBox="1"/>
+          <p:cNvSpPr txBox="1">
+            <a:spLocks noGrp="1"/>
+          </p:cNvSpPr>
           <p:nvPr>
-            <p:ph idx="12" type="sldNum"/>
+            <p:ph type="sldNum" idx="12"/>
           </p:nvPr>
         </p:nvSpPr>
         <p:spPr>
@@ -2039,12 +2196,12 @@
           </a:prstGeom>
         </p:spPr>
         <p:txBody>
-          <a:bodyPr anchorCtr="0" anchor="ctr" bIns="91425" lIns="91425" spcFirstLastPara="1" rIns="91425" wrap="square" tIns="91425">
+          <a:bodyPr spcFirstLastPara="1" wrap="square" lIns="91425" tIns="91425" rIns="91425" bIns="91425" anchor="ctr" anchorCtr="0">
             <a:noAutofit/>
           </a:bodyPr>
           <a:lstStyle/>
           <a:p>
-            <a:pPr indent="0" lvl="0" marL="0">
+            <a:pPr marL="0" lvl="0" indent="0">
               <a:spcBef>
                 <a:spcPts val="0"/>
               </a:spcBef>
@@ -2070,11 +2227,11 @@
 </file>
 
 <file path=ppt/slideLayouts/slideLayout4.xml><?xml version="1.0" encoding="utf-8"?>
-<p:sldLayout xmlns:a="http://schemas.openxmlformats.org/drawingml/2006/main" xmlns:r="http://schemas.openxmlformats.org/officeDocument/2006/relationships" xmlns:mc="http://schemas.openxmlformats.org/markup-compatibility/2006" xmlns:mv="urn:schemas-microsoft-com:mac:vml" xmlns:p="http://schemas.openxmlformats.org/presentationml/2006/main" xmlns:c="http://schemas.openxmlformats.org/drawingml/2006/chart" xmlns:dgm="http://schemas.openxmlformats.org/drawingml/2006/diagram" xmlns:o="urn:schemas-microsoft-com:office:office" xmlns:v="urn:schemas-microsoft-com:vml" xmlns:pvml="urn:schemas-microsoft-com:office:powerpoint" xmlns:com="http://schemas.openxmlformats.org/drawingml/2006/compatibility" xmlns:p14="http://schemas.microsoft.com/office/powerpoint/2010/main" xmlns:p15="http://schemas.microsoft.com/office/powerpoint/2012/main" type="twoColTx">
+<p:sldLayout xmlns:a="http://schemas.openxmlformats.org/drawingml/2006/main" xmlns:r="http://schemas.openxmlformats.org/officeDocument/2006/relationships" xmlns:p="http://schemas.openxmlformats.org/presentationml/2006/main" type="twoColTx">
   <p:cSld name="Title and two columns">
     <p:spTree>
       <p:nvGrpSpPr>
-        <p:cNvPr id="24" name="Shape 24"/>
+        <p:cNvPr id="1" name="Shape 24"/>
         <p:cNvGrpSpPr/>
         <p:nvPr/>
       </p:nvGrpSpPr>
@@ -2093,7 +2250,7 @@
           <p:nvPr/>
         </p:nvSpPr>
         <p:spPr>
-          <a:xfrm flipH="1" rot="10800000">
+          <a:xfrm rot="10800000" flipH="1">
             <a:off x="0" y="1686000"/>
             <a:ext cx="9144000" cy="3457500"/>
           </a:xfrm>
@@ -2108,12 +2265,12 @@
           </a:ln>
         </p:spPr>
         <p:txBody>
-          <a:bodyPr anchorCtr="0" anchor="ctr" bIns="91425" lIns="91425" spcFirstLastPara="1" rIns="91425" wrap="square" tIns="91425">
+          <a:bodyPr spcFirstLastPara="1" wrap="square" lIns="91425" tIns="91425" rIns="91425" bIns="91425" anchor="ctr" anchorCtr="0">
             <a:noAutofit/>
           </a:bodyPr>
           <a:lstStyle/>
           <a:p>
-            <a:pPr indent="0" lvl="0" marL="0">
+            <a:pPr marL="0" lvl="0" indent="0">
               <a:spcBef>
                 <a:spcPts val="0"/>
               </a:spcBef>
@@ -2122,9 +2279,6 @@
               </a:spcAft>
               <a:buNone/>
             </a:pPr>
-            <a:r>
-              <a:t/>
-            </a:r>
             <a:endParaRPr/>
           </a:p>
         </p:txBody>
@@ -2165,12 +2319,12 @@
           </a:ln>
         </p:spPr>
         <p:txBody>
-          <a:bodyPr anchorCtr="0" anchor="ctr" bIns="91425" lIns="91425" spcFirstLastPara="1" rIns="91425" wrap="square" tIns="91425">
+          <a:bodyPr spcFirstLastPara="1" wrap="square" lIns="91425" tIns="91425" rIns="91425" bIns="91425" anchor="ctr" anchorCtr="0">
             <a:noAutofit/>
           </a:bodyPr>
           <a:lstStyle/>
           <a:p>
-            <a:pPr indent="0" lvl="0" marL="0">
+            <a:pPr marL="0" lvl="0" indent="0">
               <a:spcBef>
                 <a:spcPts val="0"/>
               </a:spcBef>
@@ -2179,9 +2333,6 @@
               </a:spcAft>
               <a:buNone/>
             </a:pPr>
-            <a:r>
-              <a:t/>
-            </a:r>
             <a:endParaRPr/>
           </a:p>
         </p:txBody>
@@ -2189,7 +2340,9 @@
       <p:sp>
         <p:nvSpPr>
           <p:cNvPr id="27" name="Shape 27"/>
-          <p:cNvSpPr txBox="1"/>
+          <p:cNvSpPr txBox="1">
+            <a:spLocks noGrp="1"/>
+          </p:cNvSpPr>
           <p:nvPr>
             <p:ph type="title"/>
           </p:nvPr>
@@ -2204,7 +2357,7 @@
           </a:prstGeom>
         </p:spPr>
         <p:txBody>
-          <a:bodyPr anchorCtr="0" anchor="b" bIns="91425" lIns="91425" spcFirstLastPara="1" rIns="91425" wrap="square" tIns="91425"/>
+          <a:bodyPr spcFirstLastPara="1" wrap="square" lIns="91425" tIns="91425" rIns="91425" bIns="91425" anchor="b" anchorCtr="0"/>
           <a:lstStyle>
             <a:lvl1pPr lvl="0">
               <a:spcBef>
@@ -2306,15 +2459,19 @@
               <a:defRPr/>
             </a:lvl9pPr>
           </a:lstStyle>
-          <a:p/>
+          <a:p>
+            <a:endParaRPr/>
+          </a:p>
         </p:txBody>
       </p:sp>
       <p:sp>
         <p:nvSpPr>
           <p:cNvPr id="28" name="Shape 28"/>
-          <p:cNvSpPr txBox="1"/>
+          <p:cNvSpPr txBox="1">
+            <a:spLocks noGrp="1"/>
+          </p:cNvSpPr>
           <p:nvPr>
-            <p:ph idx="1" type="body"/>
+            <p:ph type="body" idx="1"/>
           </p:nvPr>
         </p:nvSpPr>
         <p:spPr>
@@ -2327,9 +2484,9 @@
           </a:prstGeom>
         </p:spPr>
         <p:txBody>
-          <a:bodyPr anchorCtr="0" anchor="t" bIns="91425" lIns="91425" spcFirstLastPara="1" rIns="91425" wrap="square" tIns="91425"/>
+          <a:bodyPr spcFirstLastPara="1" wrap="square" lIns="91425" tIns="91425" rIns="91425" bIns="91425" anchor="t" anchorCtr="0"/>
           <a:lstStyle>
-            <a:lvl1pPr indent="-317500" lvl="0" marL="457200">
+            <a:lvl1pPr marL="457200" lvl="0" indent="-317500">
               <a:spcBef>
                 <a:spcPts val="0"/>
               </a:spcBef>
@@ -2340,7 +2497,7 @@
               <a:buChar char="●"/>
               <a:defRPr sz="1400"/>
             </a:lvl1pPr>
-            <a:lvl2pPr indent="-304800" lvl="1" marL="914400">
+            <a:lvl2pPr marL="914400" lvl="1" indent="-304800">
               <a:spcBef>
                 <a:spcPts val="1600"/>
               </a:spcBef>
@@ -2351,7 +2508,7 @@
               <a:buChar char="○"/>
               <a:defRPr sz="1200"/>
             </a:lvl2pPr>
-            <a:lvl3pPr indent="-304800" lvl="2" marL="1371600">
+            <a:lvl3pPr marL="1371600" lvl="2" indent="-304800">
               <a:spcBef>
                 <a:spcPts val="1600"/>
               </a:spcBef>
@@ -2362,7 +2519,7 @@
               <a:buChar char="■"/>
               <a:defRPr sz="1200"/>
             </a:lvl3pPr>
-            <a:lvl4pPr indent="-304800" lvl="3" marL="1828800">
+            <a:lvl4pPr marL="1828800" lvl="3" indent="-304800">
               <a:spcBef>
                 <a:spcPts val="1600"/>
               </a:spcBef>
@@ -2373,7 +2530,7 @@
               <a:buChar char="●"/>
               <a:defRPr sz="1200"/>
             </a:lvl4pPr>
-            <a:lvl5pPr indent="-304800" lvl="4" marL="2286000">
+            <a:lvl5pPr marL="2286000" lvl="4" indent="-304800">
               <a:spcBef>
                 <a:spcPts val="1600"/>
               </a:spcBef>
@@ -2384,7 +2541,7 @@
               <a:buChar char="○"/>
               <a:defRPr sz="1200"/>
             </a:lvl5pPr>
-            <a:lvl6pPr indent="-304800" lvl="5" marL="2743200">
+            <a:lvl6pPr marL="2743200" lvl="5" indent="-304800">
               <a:spcBef>
                 <a:spcPts val="1600"/>
               </a:spcBef>
@@ -2395,7 +2552,7 @@
               <a:buChar char="■"/>
               <a:defRPr sz="1200"/>
             </a:lvl6pPr>
-            <a:lvl7pPr indent="-304800" lvl="6" marL="3200400">
+            <a:lvl7pPr marL="3200400" lvl="6" indent="-304800">
               <a:spcBef>
                 <a:spcPts val="1600"/>
               </a:spcBef>
@@ -2406,7 +2563,7 @@
               <a:buChar char="●"/>
               <a:defRPr sz="1200"/>
             </a:lvl7pPr>
-            <a:lvl8pPr indent="-304800" lvl="7" marL="3657600">
+            <a:lvl8pPr marL="3657600" lvl="7" indent="-304800">
               <a:spcBef>
                 <a:spcPts val="1600"/>
               </a:spcBef>
@@ -2417,7 +2574,7 @@
               <a:buChar char="○"/>
               <a:defRPr sz="1200"/>
             </a:lvl8pPr>
-            <a:lvl9pPr indent="-304800" lvl="8" marL="4114800">
+            <a:lvl9pPr marL="4114800" lvl="8" indent="-304800">
               <a:spcBef>
                 <a:spcPts val="1600"/>
               </a:spcBef>
@@ -2429,15 +2586,19 @@
               <a:defRPr sz="1200"/>
             </a:lvl9pPr>
           </a:lstStyle>
-          <a:p/>
+          <a:p>
+            <a:endParaRPr/>
+          </a:p>
         </p:txBody>
       </p:sp>
       <p:sp>
         <p:nvSpPr>
           <p:cNvPr id="29" name="Shape 29"/>
-          <p:cNvSpPr txBox="1"/>
+          <p:cNvSpPr txBox="1">
+            <a:spLocks noGrp="1"/>
+          </p:cNvSpPr>
           <p:nvPr>
-            <p:ph idx="2" type="body"/>
+            <p:ph type="body" idx="2"/>
           </p:nvPr>
         </p:nvSpPr>
         <p:spPr>
@@ -2450,9 +2611,9 @@
           </a:prstGeom>
         </p:spPr>
         <p:txBody>
-          <a:bodyPr anchorCtr="0" anchor="t" bIns="91425" lIns="91425" spcFirstLastPara="1" rIns="91425" wrap="square" tIns="91425"/>
+          <a:bodyPr spcFirstLastPara="1" wrap="square" lIns="91425" tIns="91425" rIns="91425" bIns="91425" anchor="t" anchorCtr="0"/>
           <a:lstStyle>
-            <a:lvl1pPr indent="-317500" lvl="0" marL="457200">
+            <a:lvl1pPr marL="457200" lvl="0" indent="-317500">
               <a:spcBef>
                 <a:spcPts val="0"/>
               </a:spcBef>
@@ -2463,7 +2624,7 @@
               <a:buChar char="●"/>
               <a:defRPr sz="1400"/>
             </a:lvl1pPr>
-            <a:lvl2pPr indent="-304800" lvl="1" marL="914400">
+            <a:lvl2pPr marL="914400" lvl="1" indent="-304800">
               <a:spcBef>
                 <a:spcPts val="1600"/>
               </a:spcBef>
@@ -2474,7 +2635,7 @@
               <a:buChar char="○"/>
               <a:defRPr sz="1200"/>
             </a:lvl2pPr>
-            <a:lvl3pPr indent="-304800" lvl="2" marL="1371600">
+            <a:lvl3pPr marL="1371600" lvl="2" indent="-304800">
               <a:spcBef>
                 <a:spcPts val="1600"/>
               </a:spcBef>
@@ -2485,7 +2646,7 @@
               <a:buChar char="■"/>
               <a:defRPr sz="1200"/>
             </a:lvl3pPr>
-            <a:lvl4pPr indent="-304800" lvl="3" marL="1828800">
+            <a:lvl4pPr marL="1828800" lvl="3" indent="-304800">
               <a:spcBef>
                 <a:spcPts val="1600"/>
               </a:spcBef>
@@ -2496,7 +2657,7 @@
               <a:buChar char="●"/>
               <a:defRPr sz="1200"/>
             </a:lvl4pPr>
-            <a:lvl5pPr indent="-304800" lvl="4" marL="2286000">
+            <a:lvl5pPr marL="2286000" lvl="4" indent="-304800">
               <a:spcBef>
                 <a:spcPts val="1600"/>
               </a:spcBef>
@@ -2507,7 +2668,7 @@
               <a:buChar char="○"/>
               <a:defRPr sz="1200"/>
             </a:lvl5pPr>
-            <a:lvl6pPr indent="-304800" lvl="5" marL="2743200">
+            <a:lvl6pPr marL="2743200" lvl="5" indent="-304800">
               <a:spcBef>
                 <a:spcPts val="1600"/>
               </a:spcBef>
@@ -2518,7 +2679,7 @@
               <a:buChar char="■"/>
               <a:defRPr sz="1200"/>
             </a:lvl6pPr>
-            <a:lvl7pPr indent="-304800" lvl="6" marL="3200400">
+            <a:lvl7pPr marL="3200400" lvl="6" indent="-304800">
               <a:spcBef>
                 <a:spcPts val="1600"/>
               </a:spcBef>
@@ -2529,7 +2690,7 @@
               <a:buChar char="●"/>
               <a:defRPr sz="1200"/>
             </a:lvl7pPr>
-            <a:lvl8pPr indent="-304800" lvl="7" marL="3657600">
+            <a:lvl8pPr marL="3657600" lvl="7" indent="-304800">
               <a:spcBef>
                 <a:spcPts val="1600"/>
               </a:spcBef>
@@ -2540,7 +2701,7 @@
               <a:buChar char="○"/>
               <a:defRPr sz="1200"/>
             </a:lvl8pPr>
-            <a:lvl9pPr indent="-304800" lvl="8" marL="4114800">
+            <a:lvl9pPr marL="4114800" lvl="8" indent="-304800">
               <a:spcBef>
                 <a:spcPts val="1600"/>
               </a:spcBef>
@@ -2552,15 +2713,19 @@
               <a:defRPr sz="1200"/>
             </a:lvl9pPr>
           </a:lstStyle>
-          <a:p/>
+          <a:p>
+            <a:endParaRPr/>
+          </a:p>
         </p:txBody>
       </p:sp>
       <p:sp>
         <p:nvSpPr>
           <p:cNvPr id="30" name="Shape 30"/>
-          <p:cNvSpPr txBox="1"/>
+          <p:cNvSpPr txBox="1">
+            <a:spLocks noGrp="1"/>
+          </p:cNvSpPr>
           <p:nvPr>
-            <p:ph idx="12" type="sldNum"/>
+            <p:ph type="sldNum" idx="12"/>
           </p:nvPr>
         </p:nvSpPr>
         <p:spPr>
@@ -2573,12 +2738,12 @@
           </a:prstGeom>
         </p:spPr>
         <p:txBody>
-          <a:bodyPr anchorCtr="0" anchor="ctr" bIns="91425" lIns="91425" spcFirstLastPara="1" rIns="91425" wrap="square" tIns="91425">
+          <a:bodyPr spcFirstLastPara="1" wrap="square" lIns="91425" tIns="91425" rIns="91425" bIns="91425" anchor="ctr" anchorCtr="0">
             <a:noAutofit/>
           </a:bodyPr>
           <a:lstStyle/>
           <a:p>
-            <a:pPr indent="0" lvl="0" marL="0">
+            <a:pPr marL="0" lvl="0" indent="0">
               <a:spcBef>
                 <a:spcPts val="0"/>
               </a:spcBef>
@@ -2604,11 +2769,11 @@
 </file>
 
 <file path=ppt/slideLayouts/slideLayout5.xml><?xml version="1.0" encoding="utf-8"?>
-<p:sldLayout xmlns:a="http://schemas.openxmlformats.org/drawingml/2006/main" xmlns:r="http://schemas.openxmlformats.org/officeDocument/2006/relationships" xmlns:mc="http://schemas.openxmlformats.org/markup-compatibility/2006" xmlns:mv="urn:schemas-microsoft-com:mac:vml" xmlns:p="http://schemas.openxmlformats.org/presentationml/2006/main" xmlns:c="http://schemas.openxmlformats.org/drawingml/2006/chart" xmlns:dgm="http://schemas.openxmlformats.org/drawingml/2006/diagram" xmlns:o="urn:schemas-microsoft-com:office:office" xmlns:v="urn:schemas-microsoft-com:vml" xmlns:pvml="urn:schemas-microsoft-com:office:powerpoint" xmlns:com="http://schemas.openxmlformats.org/drawingml/2006/compatibility" xmlns:p14="http://schemas.microsoft.com/office/powerpoint/2010/main" xmlns:p15="http://schemas.microsoft.com/office/powerpoint/2012/main" type="titleOnly">
+<p:sldLayout xmlns:a="http://schemas.openxmlformats.org/drawingml/2006/main" xmlns:r="http://schemas.openxmlformats.org/officeDocument/2006/relationships" xmlns:p="http://schemas.openxmlformats.org/presentationml/2006/main" type="titleOnly">
   <p:cSld name="Title only">
     <p:spTree>
       <p:nvGrpSpPr>
-        <p:cNvPr id="31" name="Shape 31"/>
+        <p:cNvPr id="1" name="Shape 31"/>
         <p:cNvGrpSpPr/>
         <p:nvPr/>
       </p:nvGrpSpPr>
@@ -2627,7 +2792,7 @@
           <p:nvPr/>
         </p:nvSpPr>
         <p:spPr>
-          <a:xfrm flipH="1" rot="10800000">
+          <a:xfrm rot="10800000" flipH="1">
             <a:off x="0" y="656400"/>
             <a:ext cx="9144000" cy="4487100"/>
           </a:xfrm>
@@ -2642,12 +2807,12 @@
           </a:ln>
         </p:spPr>
         <p:txBody>
-          <a:bodyPr anchorCtr="0" anchor="ctr" bIns="91425" lIns="91425" spcFirstLastPara="1" rIns="91425" wrap="square" tIns="91425">
+          <a:bodyPr spcFirstLastPara="1" wrap="square" lIns="91425" tIns="91425" rIns="91425" bIns="91425" anchor="ctr" anchorCtr="0">
             <a:noAutofit/>
           </a:bodyPr>
           <a:lstStyle/>
           <a:p>
-            <a:pPr indent="0" lvl="0" marL="0">
+            <a:pPr marL="0" lvl="0" indent="0">
               <a:spcBef>
                 <a:spcPts val="0"/>
               </a:spcBef>
@@ -2656,9 +2821,6 @@
               </a:spcAft>
               <a:buNone/>
             </a:pPr>
-            <a:r>
-              <a:t/>
-            </a:r>
             <a:endParaRPr/>
           </a:p>
         </p:txBody>
@@ -2699,12 +2861,12 @@
           </a:ln>
         </p:spPr>
         <p:txBody>
-          <a:bodyPr anchorCtr="0" anchor="ctr" bIns="91425" lIns="91425" spcFirstLastPara="1" rIns="91425" wrap="square" tIns="91425">
+          <a:bodyPr spcFirstLastPara="1" wrap="square" lIns="91425" tIns="91425" rIns="91425" bIns="91425" anchor="ctr" anchorCtr="0">
             <a:noAutofit/>
           </a:bodyPr>
           <a:lstStyle/>
           <a:p>
-            <a:pPr indent="0" lvl="0" marL="0">
+            <a:pPr marL="0" lvl="0" indent="0">
               <a:spcBef>
                 <a:spcPts val="0"/>
               </a:spcBef>
@@ -2713,9 +2875,6 @@
               </a:spcAft>
               <a:buNone/>
             </a:pPr>
-            <a:r>
-              <a:t/>
-            </a:r>
             <a:endParaRPr/>
           </a:p>
         </p:txBody>
@@ -2723,7 +2882,9 @@
       <p:sp>
         <p:nvSpPr>
           <p:cNvPr id="34" name="Shape 34"/>
-          <p:cNvSpPr txBox="1"/>
+          <p:cNvSpPr txBox="1">
+            <a:spLocks noGrp="1"/>
+          </p:cNvSpPr>
           <p:nvPr>
             <p:ph type="title"/>
           </p:nvPr>
@@ -2738,7 +2899,7 @@
           </a:prstGeom>
         </p:spPr>
         <p:txBody>
-          <a:bodyPr anchorCtr="0" anchor="ctr" bIns="91425" lIns="91425" spcFirstLastPara="1" rIns="91425" wrap="square" tIns="91425"/>
+          <a:bodyPr spcFirstLastPara="1" wrap="square" lIns="91425" tIns="91425" rIns="91425" bIns="91425" anchor="ctr" anchorCtr="0"/>
           <a:lstStyle>
             <a:lvl1pPr lvl="0">
               <a:spcBef>
@@ -2840,15 +3001,19 @@
               <a:defRPr sz="1800"/>
             </a:lvl9pPr>
           </a:lstStyle>
-          <a:p/>
+          <a:p>
+            <a:endParaRPr/>
+          </a:p>
         </p:txBody>
       </p:sp>
       <p:sp>
         <p:nvSpPr>
           <p:cNvPr id="35" name="Shape 35"/>
-          <p:cNvSpPr txBox="1"/>
+          <p:cNvSpPr txBox="1">
+            <a:spLocks noGrp="1"/>
+          </p:cNvSpPr>
           <p:nvPr>
-            <p:ph idx="12" type="sldNum"/>
+            <p:ph type="sldNum" idx="12"/>
           </p:nvPr>
         </p:nvSpPr>
         <p:spPr>
@@ -2861,12 +3026,12 @@
           </a:prstGeom>
         </p:spPr>
         <p:txBody>
-          <a:bodyPr anchorCtr="0" anchor="ctr" bIns="91425" lIns="91425" spcFirstLastPara="1" rIns="91425" wrap="square" tIns="91425">
+          <a:bodyPr spcFirstLastPara="1" wrap="square" lIns="91425" tIns="91425" rIns="91425" bIns="91425" anchor="ctr" anchorCtr="0">
             <a:noAutofit/>
           </a:bodyPr>
           <a:lstStyle/>
           <a:p>
-            <a:pPr indent="0" lvl="0" marL="0">
+            <a:pPr marL="0" lvl="0" indent="0">
               <a:spcBef>
                 <a:spcPts val="0"/>
               </a:spcBef>
@@ -2892,11 +3057,11 @@
 </file>
 
 <file path=ppt/slideLayouts/slideLayout6.xml><?xml version="1.0" encoding="utf-8"?>
-<p:sldLayout xmlns:a="http://schemas.openxmlformats.org/drawingml/2006/main" xmlns:r="http://schemas.openxmlformats.org/officeDocument/2006/relationships" xmlns:mc="http://schemas.openxmlformats.org/markup-compatibility/2006" xmlns:mv="urn:schemas-microsoft-com:mac:vml" xmlns:p="http://schemas.openxmlformats.org/presentationml/2006/main" xmlns:c="http://schemas.openxmlformats.org/drawingml/2006/chart" xmlns:dgm="http://schemas.openxmlformats.org/drawingml/2006/diagram" xmlns:o="urn:schemas-microsoft-com:office:office" xmlns:v="urn:schemas-microsoft-com:vml" xmlns:pvml="urn:schemas-microsoft-com:office:powerpoint" xmlns:com="http://schemas.openxmlformats.org/drawingml/2006/compatibility" xmlns:p14="http://schemas.microsoft.com/office/powerpoint/2010/main" xmlns:p15="http://schemas.microsoft.com/office/powerpoint/2012/main">
+<p:sldLayout xmlns:a="http://schemas.openxmlformats.org/drawingml/2006/main" xmlns:r="http://schemas.openxmlformats.org/officeDocument/2006/relationships" xmlns:p="http://schemas.openxmlformats.org/presentationml/2006/main">
   <p:cSld name="One column text">
     <p:spTree>
       <p:nvGrpSpPr>
-        <p:cNvPr id="36" name="Shape 36"/>
+        <p:cNvPr id="1" name="Shape 36"/>
         <p:cNvGrpSpPr/>
         <p:nvPr/>
       </p:nvGrpSpPr>
@@ -2915,7 +3080,7 @@
           <p:nvPr/>
         </p:nvSpPr>
         <p:spPr>
-          <a:xfrm flipH="1" rot="10800000">
+          <a:xfrm rot="10800000" flipH="1">
             <a:off x="3276600" y="25"/>
             <a:ext cx="5867400" cy="5143500"/>
           </a:xfrm>
@@ -2930,12 +3095,12 @@
           </a:ln>
         </p:spPr>
         <p:txBody>
-          <a:bodyPr anchorCtr="0" anchor="ctr" bIns="91425" lIns="91425" spcFirstLastPara="1" rIns="91425" wrap="square" tIns="91425">
+          <a:bodyPr spcFirstLastPara="1" wrap="square" lIns="91425" tIns="91425" rIns="91425" bIns="91425" anchor="ctr" anchorCtr="0">
             <a:noAutofit/>
           </a:bodyPr>
           <a:lstStyle/>
           <a:p>
-            <a:pPr indent="0" lvl="0" marL="0">
+            <a:pPr marL="0" lvl="0" indent="0">
               <a:spcBef>
                 <a:spcPts val="0"/>
               </a:spcBef>
@@ -2944,9 +3109,6 @@
               </a:spcAft>
               <a:buNone/>
             </a:pPr>
-            <a:r>
-              <a:t/>
-            </a:r>
             <a:endParaRPr/>
           </a:p>
         </p:txBody>
@@ -2987,12 +3149,12 @@
           </a:ln>
         </p:spPr>
         <p:txBody>
-          <a:bodyPr anchorCtr="0" anchor="ctr" bIns="91425" lIns="91425" spcFirstLastPara="1" rIns="91425" wrap="square" tIns="91425">
+          <a:bodyPr spcFirstLastPara="1" wrap="square" lIns="91425" tIns="91425" rIns="91425" bIns="91425" anchor="ctr" anchorCtr="0">
             <a:noAutofit/>
           </a:bodyPr>
           <a:lstStyle/>
           <a:p>
-            <a:pPr indent="0" lvl="0" marL="0">
+            <a:pPr marL="0" lvl="0" indent="0">
               <a:spcBef>
                 <a:spcPts val="0"/>
               </a:spcBef>
@@ -3001,9 +3163,6 @@
               </a:spcAft>
               <a:buNone/>
             </a:pPr>
-            <a:r>
-              <a:t/>
-            </a:r>
             <a:endParaRPr/>
           </a:p>
         </p:txBody>
@@ -3011,7 +3170,9 @@
       <p:sp>
         <p:nvSpPr>
           <p:cNvPr id="39" name="Shape 39"/>
-          <p:cNvSpPr txBox="1"/>
+          <p:cNvSpPr txBox="1">
+            <a:spLocks noGrp="1"/>
+          </p:cNvSpPr>
           <p:nvPr>
             <p:ph type="title"/>
           </p:nvPr>
@@ -3026,7 +3187,7 @@
           </a:prstGeom>
         </p:spPr>
         <p:txBody>
-          <a:bodyPr anchorCtr="0" anchor="b" bIns="91425" lIns="91425" spcFirstLastPara="1" rIns="91425" wrap="square" tIns="91425"/>
+          <a:bodyPr spcFirstLastPara="1" wrap="square" lIns="91425" tIns="91425" rIns="91425" bIns="91425" anchor="b" anchorCtr="0"/>
           <a:lstStyle>
             <a:lvl1pPr lvl="0">
               <a:spcBef>
@@ -3128,15 +3289,19 @@
               <a:defRPr sz="2400"/>
             </a:lvl9pPr>
           </a:lstStyle>
-          <a:p/>
+          <a:p>
+            <a:endParaRPr/>
+          </a:p>
         </p:txBody>
       </p:sp>
       <p:sp>
         <p:nvSpPr>
           <p:cNvPr id="40" name="Shape 40"/>
-          <p:cNvSpPr txBox="1"/>
+          <p:cNvSpPr txBox="1">
+            <a:spLocks noGrp="1"/>
+          </p:cNvSpPr>
           <p:nvPr>
-            <p:ph idx="1" type="body"/>
+            <p:ph type="body" idx="1"/>
           </p:nvPr>
         </p:nvSpPr>
         <p:spPr>
@@ -3149,9 +3314,9 @@
           </a:prstGeom>
         </p:spPr>
         <p:txBody>
-          <a:bodyPr anchorCtr="0" anchor="t" bIns="91425" lIns="91425" spcFirstLastPara="1" rIns="91425" wrap="square" tIns="91425"/>
+          <a:bodyPr spcFirstLastPara="1" wrap="square" lIns="91425" tIns="91425" rIns="91425" bIns="91425" anchor="t" anchorCtr="0"/>
           <a:lstStyle>
-            <a:lvl1pPr indent="-304800" lvl="0" marL="457200">
+            <a:lvl1pPr marL="457200" lvl="0" indent="-304800">
               <a:spcBef>
                 <a:spcPts val="0"/>
               </a:spcBef>
@@ -3169,7 +3334,7 @@
                 </a:solidFill>
               </a:defRPr>
             </a:lvl1pPr>
-            <a:lvl2pPr indent="-304800" lvl="1" marL="914400">
+            <a:lvl2pPr marL="914400" lvl="1" indent="-304800">
               <a:spcBef>
                 <a:spcPts val="1600"/>
               </a:spcBef>
@@ -3187,7 +3352,7 @@
                 </a:solidFill>
               </a:defRPr>
             </a:lvl2pPr>
-            <a:lvl3pPr indent="-304800" lvl="2" marL="1371600">
+            <a:lvl3pPr marL="1371600" lvl="2" indent="-304800">
               <a:spcBef>
                 <a:spcPts val="1600"/>
               </a:spcBef>
@@ -3205,7 +3370,7 @@
                 </a:solidFill>
               </a:defRPr>
             </a:lvl3pPr>
-            <a:lvl4pPr indent="-304800" lvl="3" marL="1828800">
+            <a:lvl4pPr marL="1828800" lvl="3" indent="-304800">
               <a:spcBef>
                 <a:spcPts val="1600"/>
               </a:spcBef>
@@ -3223,7 +3388,7 @@
                 </a:solidFill>
               </a:defRPr>
             </a:lvl4pPr>
-            <a:lvl5pPr indent="-304800" lvl="4" marL="2286000">
+            <a:lvl5pPr marL="2286000" lvl="4" indent="-304800">
               <a:spcBef>
                 <a:spcPts val="1600"/>
               </a:spcBef>
@@ -3241,7 +3406,7 @@
                 </a:solidFill>
               </a:defRPr>
             </a:lvl5pPr>
-            <a:lvl6pPr indent="-304800" lvl="5" marL="2743200">
+            <a:lvl6pPr marL="2743200" lvl="5" indent="-304800">
               <a:spcBef>
                 <a:spcPts val="1600"/>
               </a:spcBef>
@@ -3259,7 +3424,7 @@
                 </a:solidFill>
               </a:defRPr>
             </a:lvl6pPr>
-            <a:lvl7pPr indent="-304800" lvl="6" marL="3200400">
+            <a:lvl7pPr marL="3200400" lvl="6" indent="-304800">
               <a:spcBef>
                 <a:spcPts val="1600"/>
               </a:spcBef>
@@ -3277,7 +3442,7 @@
                 </a:solidFill>
               </a:defRPr>
             </a:lvl7pPr>
-            <a:lvl8pPr indent="-304800" lvl="7" marL="3657600">
+            <a:lvl8pPr marL="3657600" lvl="7" indent="-304800">
               <a:spcBef>
                 <a:spcPts val="1600"/>
               </a:spcBef>
@@ -3295,7 +3460,7 @@
                 </a:solidFill>
               </a:defRPr>
             </a:lvl8pPr>
-            <a:lvl9pPr indent="-304800" lvl="8" marL="4114800">
+            <a:lvl9pPr marL="4114800" lvl="8" indent="-304800">
               <a:spcBef>
                 <a:spcPts val="1600"/>
               </a:spcBef>
@@ -3314,15 +3479,19 @@
               </a:defRPr>
             </a:lvl9pPr>
           </a:lstStyle>
-          <a:p/>
+          <a:p>
+            <a:endParaRPr/>
+          </a:p>
         </p:txBody>
       </p:sp>
       <p:sp>
         <p:nvSpPr>
           <p:cNvPr id="41" name="Shape 41"/>
-          <p:cNvSpPr txBox="1"/>
+          <p:cNvSpPr txBox="1">
+            <a:spLocks noGrp="1"/>
+          </p:cNvSpPr>
           <p:nvPr>
-            <p:ph idx="12" type="sldNum"/>
+            <p:ph type="sldNum" idx="12"/>
           </p:nvPr>
         </p:nvSpPr>
         <p:spPr>
@@ -3335,12 +3504,12 @@
           </a:prstGeom>
         </p:spPr>
         <p:txBody>
-          <a:bodyPr anchorCtr="0" anchor="ctr" bIns="91425" lIns="91425" spcFirstLastPara="1" rIns="91425" wrap="square" tIns="91425">
+          <a:bodyPr spcFirstLastPara="1" wrap="square" lIns="91425" tIns="91425" rIns="91425" bIns="91425" anchor="ctr" anchorCtr="0">
             <a:noAutofit/>
           </a:bodyPr>
           <a:lstStyle/>
           <a:p>
-            <a:pPr indent="0" lvl="0" marL="0">
+            <a:pPr marL="0" lvl="0" indent="0">
               <a:spcBef>
                 <a:spcPts val="0"/>
               </a:spcBef>
@@ -3366,11 +3535,11 @@
 </file>
 
 <file path=ppt/slideLayouts/slideLayout7.xml><?xml version="1.0" encoding="utf-8"?>
-<p:sldLayout xmlns:a="http://schemas.openxmlformats.org/drawingml/2006/main" xmlns:r="http://schemas.openxmlformats.org/officeDocument/2006/relationships" xmlns:mc="http://schemas.openxmlformats.org/markup-compatibility/2006" xmlns:mv="urn:schemas-microsoft-com:mac:vml" xmlns:p="http://schemas.openxmlformats.org/presentationml/2006/main" xmlns:c="http://schemas.openxmlformats.org/drawingml/2006/chart" xmlns:dgm="http://schemas.openxmlformats.org/drawingml/2006/diagram" xmlns:o="urn:schemas-microsoft-com:office:office" xmlns:v="urn:schemas-microsoft-com:vml" xmlns:pvml="urn:schemas-microsoft-com:office:powerpoint" xmlns:com="http://schemas.openxmlformats.org/drawingml/2006/compatibility" xmlns:p14="http://schemas.microsoft.com/office/powerpoint/2010/main" xmlns:p15="http://schemas.microsoft.com/office/powerpoint/2012/main">
+<p:sldLayout xmlns:a="http://schemas.openxmlformats.org/drawingml/2006/main" xmlns:r="http://schemas.openxmlformats.org/officeDocument/2006/relationships" xmlns:p="http://schemas.openxmlformats.org/presentationml/2006/main">
   <p:cSld name="Main point">
     <p:spTree>
       <p:nvGrpSpPr>
-        <p:cNvPr id="42" name="Shape 42"/>
+        <p:cNvPr id="1" name="Shape 42"/>
         <p:cNvGrpSpPr/>
         <p:nvPr/>
       </p:nvGrpSpPr>
@@ -3385,7 +3554,9 @@
       <p:sp>
         <p:nvSpPr>
           <p:cNvPr id="43" name="Shape 43"/>
-          <p:cNvSpPr txBox="1"/>
+          <p:cNvSpPr txBox="1">
+            <a:spLocks noGrp="1"/>
+          </p:cNvSpPr>
           <p:nvPr>
             <p:ph type="title"/>
           </p:nvPr>
@@ -3400,7 +3571,7 @@
           </a:prstGeom>
         </p:spPr>
         <p:txBody>
-          <a:bodyPr anchorCtr="0" anchor="ctr" bIns="91425" lIns="91425" spcFirstLastPara="1" rIns="91425" wrap="square" tIns="91425"/>
+          <a:bodyPr spcFirstLastPara="1" wrap="square" lIns="91425" tIns="91425" rIns="91425" bIns="91425" anchor="ctr" anchorCtr="0"/>
           <a:lstStyle>
             <a:lvl1pPr lvl="0">
               <a:spcBef>
@@ -3502,15 +3673,19 @@
               <a:defRPr sz="6000"/>
             </a:lvl9pPr>
           </a:lstStyle>
-          <a:p/>
+          <a:p>
+            <a:endParaRPr/>
+          </a:p>
         </p:txBody>
       </p:sp>
       <p:sp>
         <p:nvSpPr>
           <p:cNvPr id="44" name="Shape 44"/>
-          <p:cNvSpPr txBox="1"/>
+          <p:cNvSpPr txBox="1">
+            <a:spLocks noGrp="1"/>
+          </p:cNvSpPr>
           <p:nvPr>
-            <p:ph idx="12" type="sldNum"/>
+            <p:ph type="sldNum" idx="12"/>
           </p:nvPr>
         </p:nvSpPr>
         <p:spPr>
@@ -3523,12 +3698,12 @@
           </a:prstGeom>
         </p:spPr>
         <p:txBody>
-          <a:bodyPr anchorCtr="0" anchor="ctr" bIns="91425" lIns="91425" spcFirstLastPara="1" rIns="91425" wrap="square" tIns="91425">
+          <a:bodyPr spcFirstLastPara="1" wrap="square" lIns="91425" tIns="91425" rIns="91425" bIns="91425" anchor="ctr" anchorCtr="0">
             <a:noAutofit/>
           </a:bodyPr>
           <a:lstStyle/>
           <a:p>
-            <a:pPr indent="0" lvl="0" marL="0">
+            <a:pPr marL="0" lvl="0" indent="0">
               <a:spcBef>
                 <a:spcPts val="0"/>
               </a:spcBef>
@@ -3562,11 +3737,11 @@
 </file>
 
 <file path=ppt/slideLayouts/slideLayout8.xml><?xml version="1.0" encoding="utf-8"?>
-<p:sldLayout xmlns:a="http://schemas.openxmlformats.org/drawingml/2006/main" xmlns:r="http://schemas.openxmlformats.org/officeDocument/2006/relationships" xmlns:mc="http://schemas.openxmlformats.org/markup-compatibility/2006" xmlns:mv="urn:schemas-microsoft-com:mac:vml" xmlns:p="http://schemas.openxmlformats.org/presentationml/2006/main" xmlns:c="http://schemas.openxmlformats.org/drawingml/2006/chart" xmlns:dgm="http://schemas.openxmlformats.org/drawingml/2006/diagram" xmlns:o="urn:schemas-microsoft-com:office:office" xmlns:v="urn:schemas-microsoft-com:vml" xmlns:pvml="urn:schemas-microsoft-com:office:powerpoint" xmlns:com="http://schemas.openxmlformats.org/drawingml/2006/compatibility" xmlns:p14="http://schemas.microsoft.com/office/powerpoint/2010/main" xmlns:p15="http://schemas.microsoft.com/office/powerpoint/2012/main">
+<p:sldLayout xmlns:a="http://schemas.openxmlformats.org/drawingml/2006/main" xmlns:r="http://schemas.openxmlformats.org/officeDocument/2006/relationships" xmlns:p="http://schemas.openxmlformats.org/presentationml/2006/main">
   <p:cSld name="Section title and description">
     <p:spTree>
       <p:nvGrpSpPr>
-        <p:cNvPr id="45" name="Shape 45"/>
+        <p:cNvPr id="1" name="Shape 45"/>
         <p:cNvGrpSpPr/>
         <p:nvPr/>
       </p:nvGrpSpPr>
@@ -3600,12 +3775,12 @@
           </a:ln>
         </p:spPr>
         <p:txBody>
-          <a:bodyPr anchorCtr="0" anchor="ctr" bIns="91425" lIns="91425" spcFirstLastPara="1" rIns="91425" wrap="square" tIns="91425">
+          <a:bodyPr spcFirstLastPara="1" wrap="square" lIns="91425" tIns="91425" rIns="91425" bIns="91425" anchor="ctr" anchorCtr="0">
             <a:noAutofit/>
           </a:bodyPr>
           <a:lstStyle/>
           <a:p>
-            <a:pPr indent="0" lvl="0" marL="0">
+            <a:pPr marL="0" lvl="0" indent="0">
               <a:spcBef>
                 <a:spcPts val="0"/>
               </a:spcBef>
@@ -3614,9 +3789,6 @@
               </a:spcAft>
               <a:buNone/>
             </a:pPr>
-            <a:r>
-              <a:t/>
-            </a:r>
             <a:endParaRPr/>
           </a:p>
         </p:txBody>
@@ -3657,12 +3829,12 @@
           </a:ln>
         </p:spPr>
         <p:txBody>
-          <a:bodyPr anchorCtr="0" anchor="ctr" bIns="91425" lIns="91425" spcFirstLastPara="1" rIns="91425" wrap="square" tIns="91425">
+          <a:bodyPr spcFirstLastPara="1" wrap="square" lIns="91425" tIns="91425" rIns="91425" bIns="91425" anchor="ctr" anchorCtr="0">
             <a:noAutofit/>
           </a:bodyPr>
           <a:lstStyle/>
           <a:p>
-            <a:pPr indent="0" lvl="0" marL="0">
+            <a:pPr marL="0" lvl="0" indent="0">
               <a:spcBef>
                 <a:spcPts val="0"/>
               </a:spcBef>
@@ -3671,9 +3843,6 @@
               </a:spcAft>
               <a:buNone/>
             </a:pPr>
-            <a:r>
-              <a:t/>
-            </a:r>
             <a:endParaRPr/>
           </a:p>
         </p:txBody>
@@ -3681,7 +3850,9 @@
       <p:sp>
         <p:nvSpPr>
           <p:cNvPr id="48" name="Shape 48"/>
-          <p:cNvSpPr txBox="1"/>
+          <p:cNvSpPr txBox="1">
+            <a:spLocks noGrp="1"/>
+          </p:cNvSpPr>
           <p:nvPr>
             <p:ph type="title"/>
           </p:nvPr>
@@ -3696,7 +3867,7 @@
           </a:prstGeom>
         </p:spPr>
         <p:txBody>
-          <a:bodyPr anchorCtr="0" anchor="b" bIns="91425" lIns="91425" spcFirstLastPara="1" rIns="91425" wrap="square" tIns="91425"/>
+          <a:bodyPr spcFirstLastPara="1" wrap="square" lIns="91425" tIns="91425" rIns="91425" bIns="91425" anchor="b" anchorCtr="0"/>
           <a:lstStyle>
             <a:lvl1pPr lvl="0" algn="ctr">
               <a:spcBef>
@@ -3861,15 +4032,19 @@
               </a:defRPr>
             </a:lvl9pPr>
           </a:lstStyle>
-          <a:p/>
+          <a:p>
+            <a:endParaRPr/>
+          </a:p>
         </p:txBody>
       </p:sp>
       <p:sp>
         <p:nvSpPr>
           <p:cNvPr id="49" name="Shape 49"/>
-          <p:cNvSpPr txBox="1"/>
+          <p:cNvSpPr txBox="1">
+            <a:spLocks noGrp="1"/>
+          </p:cNvSpPr>
           <p:nvPr>
-            <p:ph idx="1" type="subTitle"/>
+            <p:ph type="subTitle" idx="1"/>
           </p:nvPr>
         </p:nvSpPr>
         <p:spPr>
@@ -3882,7 +4057,7 @@
           </a:prstGeom>
         </p:spPr>
         <p:txBody>
-          <a:bodyPr anchorCtr="0" anchor="t" bIns="91425" lIns="91425" spcFirstLastPara="1" rIns="91425" wrap="square" tIns="91425"/>
+          <a:bodyPr spcFirstLastPara="1" wrap="square" lIns="91425" tIns="91425" rIns="91425" bIns="91425" anchor="t" anchorCtr="0"/>
           <a:lstStyle>
             <a:lvl1pPr lvl="0" algn="ctr">
               <a:lnSpc>
@@ -4011,15 +4186,19 @@
               <a:defRPr sz="2100"/>
             </a:lvl9pPr>
           </a:lstStyle>
-          <a:p/>
+          <a:p>
+            <a:endParaRPr/>
+          </a:p>
         </p:txBody>
       </p:sp>
       <p:sp>
         <p:nvSpPr>
           <p:cNvPr id="50" name="Shape 50"/>
-          <p:cNvSpPr txBox="1"/>
+          <p:cNvSpPr txBox="1">
+            <a:spLocks noGrp="1"/>
+          </p:cNvSpPr>
           <p:nvPr>
-            <p:ph idx="2" type="body"/>
+            <p:ph type="body" idx="2"/>
           </p:nvPr>
         </p:nvSpPr>
         <p:spPr>
@@ -4032,9 +4211,9 @@
           </a:prstGeom>
         </p:spPr>
         <p:txBody>
-          <a:bodyPr anchorCtr="0" anchor="ctr" bIns="91425" lIns="91425" spcFirstLastPara="1" rIns="91425" wrap="square" tIns="91425"/>
+          <a:bodyPr spcFirstLastPara="1" wrap="square" lIns="91425" tIns="91425" rIns="91425" bIns="91425" anchor="ctr" anchorCtr="0"/>
           <a:lstStyle>
-            <a:lvl1pPr indent="-342900" lvl="0" marL="457200">
+            <a:lvl1pPr marL="457200" lvl="0" indent="-342900">
               <a:spcBef>
                 <a:spcPts val="0"/>
               </a:spcBef>
@@ -4052,7 +4231,7 @@
                 </a:solidFill>
               </a:defRPr>
             </a:lvl1pPr>
-            <a:lvl2pPr indent="-317500" lvl="1" marL="914400">
+            <a:lvl2pPr marL="914400" lvl="1" indent="-317500">
               <a:spcBef>
                 <a:spcPts val="1600"/>
               </a:spcBef>
@@ -4070,7 +4249,7 @@
                 </a:solidFill>
               </a:defRPr>
             </a:lvl2pPr>
-            <a:lvl3pPr indent="-317500" lvl="2" marL="1371600">
+            <a:lvl3pPr marL="1371600" lvl="2" indent="-317500">
               <a:spcBef>
                 <a:spcPts val="1600"/>
               </a:spcBef>
@@ -4088,7 +4267,7 @@
                 </a:solidFill>
               </a:defRPr>
             </a:lvl3pPr>
-            <a:lvl4pPr indent="-317500" lvl="3" marL="1828800">
+            <a:lvl4pPr marL="1828800" lvl="3" indent="-317500">
               <a:spcBef>
                 <a:spcPts val="1600"/>
               </a:spcBef>
@@ -4106,7 +4285,7 @@
                 </a:solidFill>
               </a:defRPr>
             </a:lvl4pPr>
-            <a:lvl5pPr indent="-317500" lvl="4" marL="2286000">
+            <a:lvl5pPr marL="2286000" lvl="4" indent="-317500">
               <a:spcBef>
                 <a:spcPts val="1600"/>
               </a:spcBef>
@@ -4124,7 +4303,7 @@
                 </a:solidFill>
               </a:defRPr>
             </a:lvl5pPr>
-            <a:lvl6pPr indent="-317500" lvl="5" marL="2743200">
+            <a:lvl6pPr marL="2743200" lvl="5" indent="-317500">
               <a:spcBef>
                 <a:spcPts val="1600"/>
               </a:spcBef>
@@ -4142,7 +4321,7 @@
                 </a:solidFill>
               </a:defRPr>
             </a:lvl6pPr>
-            <a:lvl7pPr indent="-317500" lvl="6" marL="3200400">
+            <a:lvl7pPr marL="3200400" lvl="6" indent="-317500">
               <a:spcBef>
                 <a:spcPts val="1600"/>
               </a:spcBef>
@@ -4160,7 +4339,7 @@
                 </a:solidFill>
               </a:defRPr>
             </a:lvl7pPr>
-            <a:lvl8pPr indent="-317500" lvl="7" marL="3657600">
+            <a:lvl8pPr marL="3657600" lvl="7" indent="-317500">
               <a:spcBef>
                 <a:spcPts val="1600"/>
               </a:spcBef>
@@ -4178,7 +4357,7 @@
                 </a:solidFill>
               </a:defRPr>
             </a:lvl8pPr>
-            <a:lvl9pPr indent="-317500" lvl="8" marL="4114800">
+            <a:lvl9pPr marL="4114800" lvl="8" indent="-317500">
               <a:spcBef>
                 <a:spcPts val="1600"/>
               </a:spcBef>
@@ -4197,15 +4376,19 @@
               </a:defRPr>
             </a:lvl9pPr>
           </a:lstStyle>
-          <a:p/>
+          <a:p>
+            <a:endParaRPr/>
+          </a:p>
         </p:txBody>
       </p:sp>
       <p:sp>
         <p:nvSpPr>
           <p:cNvPr id="51" name="Shape 51"/>
-          <p:cNvSpPr txBox="1"/>
+          <p:cNvSpPr txBox="1">
+            <a:spLocks noGrp="1"/>
+          </p:cNvSpPr>
           <p:nvPr>
-            <p:ph idx="12" type="sldNum"/>
+            <p:ph type="sldNum" idx="12"/>
           </p:nvPr>
         </p:nvSpPr>
         <p:spPr>
@@ -4218,12 +4401,12 @@
           </a:prstGeom>
         </p:spPr>
         <p:txBody>
-          <a:bodyPr anchorCtr="0" anchor="ctr" bIns="91425" lIns="91425" spcFirstLastPara="1" rIns="91425" wrap="square" tIns="91425">
+          <a:bodyPr spcFirstLastPara="1" wrap="square" lIns="91425" tIns="91425" rIns="91425" bIns="91425" anchor="ctr" anchorCtr="0">
             <a:noAutofit/>
           </a:bodyPr>
           <a:lstStyle/>
           <a:p>
-            <a:pPr indent="0" lvl="0" marL="0">
+            <a:pPr marL="0" lvl="0" indent="0">
               <a:spcBef>
                 <a:spcPts val="0"/>
               </a:spcBef>
@@ -4257,11 +4440,11 @@
 </file>
 
 <file path=ppt/slideLayouts/slideLayout9.xml><?xml version="1.0" encoding="utf-8"?>
-<p:sldLayout xmlns:a="http://schemas.openxmlformats.org/drawingml/2006/main" xmlns:r="http://schemas.openxmlformats.org/officeDocument/2006/relationships" xmlns:mc="http://schemas.openxmlformats.org/markup-compatibility/2006" xmlns:mv="urn:schemas-microsoft-com:mac:vml" xmlns:p="http://schemas.openxmlformats.org/presentationml/2006/main" xmlns:c="http://schemas.openxmlformats.org/drawingml/2006/chart" xmlns:dgm="http://schemas.openxmlformats.org/drawingml/2006/diagram" xmlns:o="urn:schemas-microsoft-com:office:office" xmlns:v="urn:schemas-microsoft-com:vml" xmlns:pvml="urn:schemas-microsoft-com:office:powerpoint" xmlns:com="http://schemas.openxmlformats.org/drawingml/2006/compatibility" xmlns:p14="http://schemas.microsoft.com/office/powerpoint/2010/main" xmlns:p15="http://schemas.microsoft.com/office/powerpoint/2012/main">
+<p:sldLayout xmlns:a="http://schemas.openxmlformats.org/drawingml/2006/main" xmlns:r="http://schemas.openxmlformats.org/officeDocument/2006/relationships" xmlns:p="http://schemas.openxmlformats.org/presentationml/2006/main">
   <p:cSld name="Caption">
     <p:spTree>
       <p:nvGrpSpPr>
-        <p:cNvPr id="52" name="Shape 52"/>
+        <p:cNvPr id="1" name="Shape 52"/>
         <p:cNvGrpSpPr/>
         <p:nvPr/>
       </p:nvGrpSpPr>
@@ -4280,7 +4463,7 @@
           <p:nvPr/>
         </p:nvSpPr>
         <p:spPr>
-          <a:xfrm flipH="1" rot="10800000">
+          <a:xfrm rot="10800000" flipH="1">
             <a:off x="0" y="0"/>
             <a:ext cx="9144000" cy="4695900"/>
           </a:xfrm>
@@ -4295,12 +4478,12 @@
           </a:ln>
         </p:spPr>
         <p:txBody>
-          <a:bodyPr anchorCtr="0" anchor="ctr" bIns="91425" lIns="91425" spcFirstLastPara="1" rIns="91425" wrap="square" tIns="91425">
+          <a:bodyPr spcFirstLastPara="1" wrap="square" lIns="91425" tIns="91425" rIns="91425" bIns="91425" anchor="ctr" anchorCtr="0">
             <a:noAutofit/>
           </a:bodyPr>
           <a:lstStyle/>
           <a:p>
-            <a:pPr indent="0" lvl="0" marL="0">
+            <a:pPr marL="0" lvl="0" indent="0">
               <a:spcBef>
                 <a:spcPts val="0"/>
               </a:spcBef>
@@ -4309,9 +4492,6 @@
               </a:spcAft>
               <a:buNone/>
             </a:pPr>
-            <a:r>
-              <a:t/>
-            </a:r>
             <a:endParaRPr/>
           </a:p>
         </p:txBody>
@@ -4323,7 +4503,7 @@
           <p:nvPr/>
         </p:nvSpPr>
         <p:spPr>
-          <a:xfrm flipH="1" rot="10800000">
+          <a:xfrm rot="10800000" flipH="1">
             <a:off x="0" y="4622725"/>
             <a:ext cx="9144000" cy="74100"/>
           </a:xfrm>
@@ -4352,12 +4532,12 @@
           </a:ln>
         </p:spPr>
         <p:txBody>
-          <a:bodyPr anchorCtr="0" anchor="ctr" bIns="91425" lIns="91425" spcFirstLastPara="1" rIns="91425" wrap="square" tIns="91425">
+          <a:bodyPr spcFirstLastPara="1" wrap="square" lIns="91425" tIns="91425" rIns="91425" bIns="91425" anchor="ctr" anchorCtr="0">
             <a:noAutofit/>
           </a:bodyPr>
           <a:lstStyle/>
           <a:p>
-            <a:pPr indent="0" lvl="0" marL="0">
+            <a:pPr marL="0" lvl="0" indent="0">
               <a:spcBef>
                 <a:spcPts val="0"/>
               </a:spcBef>
@@ -4366,9 +4546,6 @@
               </a:spcAft>
               <a:buNone/>
             </a:pPr>
-            <a:r>
-              <a:t/>
-            </a:r>
             <a:endParaRPr/>
           </a:p>
         </p:txBody>
@@ -4376,9 +4553,11 @@
       <p:sp>
         <p:nvSpPr>
           <p:cNvPr id="55" name="Shape 55"/>
-          <p:cNvSpPr txBox="1"/>
+          <p:cNvSpPr txBox="1">
+            <a:spLocks noGrp="1"/>
+          </p:cNvSpPr>
           <p:nvPr>
-            <p:ph idx="1" type="body"/>
+            <p:ph type="body" idx="1"/>
           </p:nvPr>
         </p:nvSpPr>
         <p:spPr>
@@ -4391,9 +4570,9 @@
           </a:prstGeom>
         </p:spPr>
         <p:txBody>
-          <a:bodyPr anchorCtr="0" anchor="ctr" bIns="91425" lIns="91425" spcFirstLastPara="1" rIns="91425" wrap="square" tIns="91425"/>
+          <a:bodyPr spcFirstLastPara="1" wrap="square" lIns="91425" tIns="91425" rIns="91425" bIns="91425" anchor="ctr" anchorCtr="0"/>
           <a:lstStyle>
-            <a:lvl1pPr indent="-228600" lvl="0" marL="457200">
+            <a:lvl1pPr marL="457200" lvl="0" indent="-228600">
               <a:lnSpc>
                 <a:spcPct val="100000"/>
               </a:lnSpc>
@@ -4415,15 +4594,19 @@
               </a:defRPr>
             </a:lvl1pPr>
           </a:lstStyle>
-          <a:p/>
+          <a:p>
+            <a:endParaRPr/>
+          </a:p>
         </p:txBody>
       </p:sp>
       <p:sp>
         <p:nvSpPr>
           <p:cNvPr id="56" name="Shape 56"/>
-          <p:cNvSpPr txBox="1"/>
+          <p:cNvSpPr txBox="1">
+            <a:spLocks noGrp="1"/>
+          </p:cNvSpPr>
           <p:nvPr>
-            <p:ph idx="12" type="sldNum"/>
+            <p:ph type="sldNum" idx="12"/>
           </p:nvPr>
         </p:nvSpPr>
         <p:spPr>
@@ -4436,12 +4619,12 @@
           </a:prstGeom>
         </p:spPr>
         <p:txBody>
-          <a:bodyPr anchorCtr="0" anchor="ctr" bIns="91425" lIns="91425" spcFirstLastPara="1" rIns="91425" wrap="square" tIns="91425">
+          <a:bodyPr spcFirstLastPara="1" wrap="square" lIns="91425" tIns="91425" rIns="91425" bIns="91425" anchor="ctr" anchorCtr="0">
             <a:noAutofit/>
           </a:bodyPr>
           <a:lstStyle/>
           <a:p>
-            <a:pPr indent="0" lvl="0" marL="0">
+            <a:pPr marL="0" lvl="0" indent="0">
               <a:spcBef>
                 <a:spcPts val="0"/>
               </a:spcBef>
@@ -4475,18 +4658,19 @@
 </file>
 
 <file path=ppt/slideMasters/slideMaster1.xml><?xml version="1.0" encoding="utf-8"?>
-<p:sldMaster xmlns:a="http://schemas.openxmlformats.org/drawingml/2006/main" xmlns:r="http://schemas.openxmlformats.org/officeDocument/2006/relationships" xmlns:mc="http://schemas.openxmlformats.org/markup-compatibility/2006" xmlns:mv="urn:schemas-microsoft-com:mac:vml" xmlns:p="http://schemas.openxmlformats.org/presentationml/2006/main" xmlns:c="http://schemas.openxmlformats.org/drawingml/2006/chart" xmlns:dgm="http://schemas.openxmlformats.org/drawingml/2006/diagram" xmlns:o="urn:schemas-microsoft-com:office:office" xmlns:v="urn:schemas-microsoft-com:vml" xmlns:pvml="urn:schemas-microsoft-com:office:powerpoint" xmlns:com="http://schemas.openxmlformats.org/drawingml/2006/compatibility" xmlns:p14="http://schemas.microsoft.com/office/powerpoint/2010/main" xmlns:p15="http://schemas.microsoft.com/office/powerpoint/2012/main">
+<p:sldMaster xmlns:a="http://schemas.openxmlformats.org/drawingml/2006/main" xmlns:r="http://schemas.openxmlformats.org/officeDocument/2006/relationships" xmlns:p="http://schemas.openxmlformats.org/presentationml/2006/main">
   <p:cSld name="material">
     <p:bg>
       <p:bgPr>
         <a:solidFill>
           <a:schemeClr val="dk1"/>
         </a:solidFill>
+        <a:effectLst/>
       </p:bgPr>
     </p:bg>
     <p:spTree>
       <p:nvGrpSpPr>
-        <p:cNvPr id="5" name="Shape 5"/>
+        <p:cNvPr id="1" name="Shape 5"/>
         <p:cNvGrpSpPr/>
         <p:nvPr/>
       </p:nvGrpSpPr>
@@ -4501,7 +4685,9 @@
       <p:sp>
         <p:nvSpPr>
           <p:cNvPr id="6" name="Shape 6"/>
-          <p:cNvSpPr txBox="1"/>
+          <p:cNvSpPr txBox="1">
+            <a:spLocks noGrp="1"/>
+          </p:cNvSpPr>
           <p:nvPr>
             <p:ph type="title"/>
           </p:nvPr>
@@ -4520,7 +4706,7 @@
           </a:ln>
         </p:spPr>
         <p:txBody>
-          <a:bodyPr anchorCtr="0" anchor="b" bIns="91425" lIns="91425" spcFirstLastPara="1" rIns="91425" wrap="square" tIns="91425"/>
+          <a:bodyPr spcFirstLastPara="1" wrap="square" lIns="91425" tIns="91425" rIns="91425" bIns="91425" anchor="b" anchorCtr="0"/>
           <a:lstStyle>
             <a:lvl1pPr lvl="0">
               <a:spcBef>
@@ -4730,15 +4916,19 @@
               </a:defRPr>
             </a:lvl9pPr>
           </a:lstStyle>
-          <a:p/>
+          <a:p>
+            <a:endParaRPr/>
+          </a:p>
         </p:txBody>
       </p:sp>
       <p:sp>
         <p:nvSpPr>
           <p:cNvPr id="7" name="Shape 7"/>
-          <p:cNvSpPr txBox="1"/>
+          <p:cNvSpPr txBox="1">
+            <a:spLocks noGrp="1"/>
+          </p:cNvSpPr>
           <p:nvPr>
-            <p:ph idx="1" type="body"/>
+            <p:ph type="body" idx="1"/>
           </p:nvPr>
         </p:nvSpPr>
         <p:spPr>
@@ -4755,9 +4945,9 @@
           </a:ln>
         </p:spPr>
         <p:txBody>
-          <a:bodyPr anchorCtr="0" anchor="t" bIns="91425" lIns="91425" spcFirstLastPara="1" rIns="91425" wrap="square" tIns="91425"/>
+          <a:bodyPr spcFirstLastPara="1" wrap="square" lIns="91425" tIns="91425" rIns="91425" bIns="91425" anchor="t" anchorCtr="0"/>
           <a:lstStyle>
-            <a:lvl1pPr indent="-342900" lvl="0" marL="457200">
+            <a:lvl1pPr marL="457200" lvl="0" indent="-342900">
               <a:lnSpc>
                 <a:spcPct val="115000"/>
               </a:lnSpc>
@@ -4783,7 +4973,7 @@
                 <a:sym typeface="Roboto"/>
               </a:defRPr>
             </a:lvl1pPr>
-            <a:lvl2pPr indent="-317500" lvl="1" marL="914400">
+            <a:lvl2pPr marL="914400" lvl="1" indent="-317500">
               <a:lnSpc>
                 <a:spcPct val="115000"/>
               </a:lnSpc>
@@ -4809,7 +4999,7 @@
                 <a:sym typeface="Roboto"/>
               </a:defRPr>
             </a:lvl2pPr>
-            <a:lvl3pPr indent="-317500" lvl="2" marL="1371600">
+            <a:lvl3pPr marL="1371600" lvl="2" indent="-317500">
               <a:lnSpc>
                 <a:spcPct val="115000"/>
               </a:lnSpc>
@@ -4835,7 +5025,7 @@
                 <a:sym typeface="Roboto"/>
               </a:defRPr>
             </a:lvl3pPr>
-            <a:lvl4pPr indent="-317500" lvl="3" marL="1828800">
+            <a:lvl4pPr marL="1828800" lvl="3" indent="-317500">
               <a:lnSpc>
                 <a:spcPct val="115000"/>
               </a:lnSpc>
@@ -4861,7 +5051,7 @@
                 <a:sym typeface="Roboto"/>
               </a:defRPr>
             </a:lvl4pPr>
-            <a:lvl5pPr indent="-317500" lvl="4" marL="2286000">
+            <a:lvl5pPr marL="2286000" lvl="4" indent="-317500">
               <a:lnSpc>
                 <a:spcPct val="115000"/>
               </a:lnSpc>
@@ -4887,7 +5077,7 @@
                 <a:sym typeface="Roboto"/>
               </a:defRPr>
             </a:lvl5pPr>
-            <a:lvl6pPr indent="-317500" lvl="5" marL="2743200">
+            <a:lvl6pPr marL="2743200" lvl="5" indent="-317500">
               <a:lnSpc>
                 <a:spcPct val="115000"/>
               </a:lnSpc>
@@ -4913,7 +5103,7 @@
                 <a:sym typeface="Roboto"/>
               </a:defRPr>
             </a:lvl6pPr>
-            <a:lvl7pPr indent="-317500" lvl="6" marL="3200400">
+            <a:lvl7pPr marL="3200400" lvl="6" indent="-317500">
               <a:lnSpc>
                 <a:spcPct val="115000"/>
               </a:lnSpc>
@@ -4939,7 +5129,7 @@
                 <a:sym typeface="Roboto"/>
               </a:defRPr>
             </a:lvl7pPr>
-            <a:lvl8pPr indent="-317500" lvl="7" marL="3657600">
+            <a:lvl8pPr marL="3657600" lvl="7" indent="-317500">
               <a:lnSpc>
                 <a:spcPct val="115000"/>
               </a:lnSpc>
@@ -4965,7 +5155,7 @@
                 <a:sym typeface="Roboto"/>
               </a:defRPr>
             </a:lvl8pPr>
-            <a:lvl9pPr indent="-317500" lvl="8" marL="4114800">
+            <a:lvl9pPr marL="4114800" lvl="8" indent="-317500">
               <a:lnSpc>
                 <a:spcPct val="115000"/>
               </a:lnSpc>
@@ -4992,15 +5182,19 @@
               </a:defRPr>
             </a:lvl9pPr>
           </a:lstStyle>
-          <a:p/>
+          <a:p>
+            <a:endParaRPr/>
+          </a:p>
         </p:txBody>
       </p:sp>
       <p:sp>
         <p:nvSpPr>
           <p:cNvPr id="8" name="Shape 8"/>
-          <p:cNvSpPr txBox="1"/>
+          <p:cNvSpPr txBox="1">
+            <a:spLocks noGrp="1"/>
+          </p:cNvSpPr>
           <p:nvPr>
-            <p:ph idx="12" type="sldNum"/>
+            <p:ph type="sldNum" idx="12"/>
           </p:nvPr>
         </p:nvSpPr>
         <p:spPr>
@@ -5017,12 +5211,12 @@
           </a:ln>
         </p:spPr>
         <p:txBody>
-          <a:bodyPr anchorCtr="0" anchor="ctr" bIns="91425" lIns="91425" spcFirstLastPara="1" rIns="91425" wrap="square" tIns="91425">
+          <a:bodyPr spcFirstLastPara="1" wrap="square" lIns="91425" tIns="91425" rIns="91425" bIns="91425" anchor="ctr" anchorCtr="0">
             <a:noAutofit/>
           </a:bodyPr>
           <a:lstStyle/>
           <a:p>
-            <a:pPr indent="0" lvl="0" marL="0" algn="r">
+            <a:pPr marL="0" lvl="0" indent="0" algn="r">
               <a:spcBef>
                 <a:spcPts val="0"/>
               </a:spcBef>
@@ -5057,7 +5251,7 @@
       </p:sp>
     </p:spTree>
   </p:cSld>
-  <p:clrMap accent1="accent1" accent2="accent2" accent3="accent3" accent4="accent4" accent5="accent5" accent6="accent6" bg1="lt1" bg2="dk2" tx1="dk1" tx2="lt2" folHlink="folHlink" hlink="hlink"/>
+  <p:clrMap bg1="lt1" tx1="dk1" bg2="dk2" tx2="lt2" accent1="accent1" accent2="accent2" accent3="accent3" accent4="accent4" accent5="accent5" accent6="accent6" hlink="hlink" folHlink="folHlink"/>
   <p:sldLayoutIdLst>
     <p:sldLayoutId id="2147483648" r:id="rId1"/>
     <p:sldLayoutId id="2147483649" r:id="rId2"/>
@@ -5071,10 +5265,10 @@
     <p:sldLayoutId id="2147483657" r:id="rId10"/>
     <p:sldLayoutId id="2147483658" r:id="rId11"/>
   </p:sldLayoutIdLst>
-  <p:hf dt="0" ftr="0" hdr="0" sldNum="0"/>
+  <p:hf sldNum="0" hdr="0" ftr="0" dt="0"/>
   <p:txStyles>
     <p:titleStyle>
-      <a:defPPr lvl="0" marR="0" rtl="0" algn="l">
+      <a:defPPr marR="0" lvl="0" algn="l" rtl="0">
         <a:lnSpc>
           <a:spcPct val="100000"/>
         </a:lnSpc>
@@ -5085,7 +5279,7 @@
           <a:spcPts val="0"/>
         </a:spcAft>
       </a:defPPr>
-      <a:lvl1pPr lvl="0" marR="0" rtl="0" algn="l">
+      <a:lvl1pPr marR="0" lvl="0" algn="l" rtl="0">
         <a:lnSpc>
           <a:spcPct val="100000"/>
         </a:lnSpc>
@@ -5096,7 +5290,7 @@
           <a:spcPts val="0"/>
         </a:spcAft>
         <a:buNone/>
-        <a:defRPr b="0" i="0" sz="1400" u="none" cap="none" strike="noStrike">
+        <a:defRPr sz="1400" b="0" i="0" u="none" strike="noStrike" cap="none">
           <a:solidFill>
             <a:srgbClr val="000000"/>
           </a:solidFill>
@@ -5108,7 +5302,7 @@
       </a:lvl1pPr>
     </p:titleStyle>
     <p:bodyStyle>
-      <a:defPPr lvl="0" marR="0" rtl="0" algn="l">
+      <a:defPPr marR="0" lvl="0" algn="l" rtl="0">
         <a:lnSpc>
           <a:spcPct val="100000"/>
         </a:lnSpc>
@@ -5119,7 +5313,7 @@
           <a:spcPts val="0"/>
         </a:spcAft>
       </a:defPPr>
-      <a:lvl1pPr lvl="0" marR="0" rtl="0" algn="l">
+      <a:lvl1pPr marR="0" lvl="0" algn="l" rtl="0">
         <a:lnSpc>
           <a:spcPct val="100000"/>
         </a:lnSpc>
@@ -5130,7 +5324,7 @@
           <a:spcPts val="0"/>
         </a:spcAft>
         <a:buNone/>
-        <a:defRPr b="0" i="0" sz="1400" u="none" cap="none" strike="noStrike">
+        <a:defRPr sz="1400" b="0" i="0" u="none" strike="noStrike" cap="none">
           <a:solidFill>
             <a:srgbClr val="000000"/>
           </a:solidFill>
@@ -5140,7 +5334,7 @@
           <a:sym typeface="Arial"/>
         </a:defRPr>
       </a:lvl1pPr>
-      <a:lvl2pPr lvl="1" marR="0" rtl="0" algn="l">
+      <a:lvl2pPr marR="0" lvl="1" algn="l" rtl="0">
         <a:lnSpc>
           <a:spcPct val="100000"/>
         </a:lnSpc>
@@ -5151,7 +5345,7 @@
           <a:spcPts val="0"/>
         </a:spcAft>
         <a:buNone/>
-        <a:defRPr b="0" i="0" sz="1400" u="none" cap="none" strike="noStrike">
+        <a:defRPr sz="1400" b="0" i="0" u="none" strike="noStrike" cap="none">
           <a:solidFill>
             <a:srgbClr val="000000"/>
           </a:solidFill>
@@ -5161,7 +5355,7 @@
           <a:sym typeface="Arial"/>
         </a:defRPr>
       </a:lvl2pPr>
-      <a:lvl3pPr lvl="2" marR="0" rtl="0" algn="l">
+      <a:lvl3pPr marR="0" lvl="2" algn="l" rtl="0">
         <a:lnSpc>
           <a:spcPct val="100000"/>
         </a:lnSpc>
@@ -5172,7 +5366,7 @@
           <a:spcPts val="0"/>
         </a:spcAft>
         <a:buNone/>
-        <a:defRPr b="0" i="0" sz="1400" u="none" cap="none" strike="noStrike">
+        <a:defRPr sz="1400" b="0" i="0" u="none" strike="noStrike" cap="none">
           <a:solidFill>
             <a:srgbClr val="000000"/>
           </a:solidFill>
@@ -5182,7 +5376,7 @@
           <a:sym typeface="Arial"/>
         </a:defRPr>
       </a:lvl3pPr>
-      <a:lvl4pPr lvl="3" marR="0" rtl="0" algn="l">
+      <a:lvl4pPr marR="0" lvl="3" algn="l" rtl="0">
         <a:lnSpc>
           <a:spcPct val="100000"/>
         </a:lnSpc>
@@ -5193,7 +5387,7 @@
           <a:spcPts val="0"/>
         </a:spcAft>
         <a:buNone/>
-        <a:defRPr b="0" i="0" sz="1400" u="none" cap="none" strike="noStrike">
+        <a:defRPr sz="1400" b="0" i="0" u="none" strike="noStrike" cap="none">
           <a:solidFill>
             <a:srgbClr val="000000"/>
           </a:solidFill>
@@ -5203,7 +5397,7 @@
           <a:sym typeface="Arial"/>
         </a:defRPr>
       </a:lvl4pPr>
-      <a:lvl5pPr lvl="4" marR="0" rtl="0" algn="l">
+      <a:lvl5pPr marR="0" lvl="4" algn="l" rtl="0">
         <a:lnSpc>
           <a:spcPct val="100000"/>
         </a:lnSpc>
@@ -5214,7 +5408,7 @@
           <a:spcPts val="0"/>
         </a:spcAft>
         <a:buNone/>
-        <a:defRPr b="0" i="0" sz="1400" u="none" cap="none" strike="noStrike">
+        <a:defRPr sz="1400" b="0" i="0" u="none" strike="noStrike" cap="none">
           <a:solidFill>
             <a:srgbClr val="000000"/>
           </a:solidFill>
@@ -5224,7 +5418,7 @@
           <a:sym typeface="Arial"/>
         </a:defRPr>
       </a:lvl5pPr>
-      <a:lvl6pPr lvl="5" marR="0" rtl="0" algn="l">
+      <a:lvl6pPr marR="0" lvl="5" algn="l" rtl="0">
         <a:lnSpc>
           <a:spcPct val="100000"/>
         </a:lnSpc>
@@ -5235,7 +5429,7 @@
           <a:spcPts val="0"/>
         </a:spcAft>
         <a:buNone/>
-        <a:defRPr b="0" i="0" sz="1400" u="none" cap="none" strike="noStrike">
+        <a:defRPr sz="1400" b="0" i="0" u="none" strike="noStrike" cap="none">
           <a:solidFill>
             <a:srgbClr val="000000"/>
           </a:solidFill>
@@ -5245,7 +5439,7 @@
           <a:sym typeface="Arial"/>
         </a:defRPr>
       </a:lvl6pPr>
-      <a:lvl7pPr lvl="6" marR="0" rtl="0" algn="l">
+      <a:lvl7pPr marR="0" lvl="6" algn="l" rtl="0">
         <a:lnSpc>
           <a:spcPct val="100000"/>
         </a:lnSpc>
@@ -5256,7 +5450,7 @@
           <a:spcPts val="0"/>
         </a:spcAft>
         <a:buNone/>
-        <a:defRPr b="0" i="0" sz="1400" u="none" cap="none" strike="noStrike">
+        <a:defRPr sz="1400" b="0" i="0" u="none" strike="noStrike" cap="none">
           <a:solidFill>
             <a:srgbClr val="000000"/>
           </a:solidFill>
@@ -5266,7 +5460,7 @@
           <a:sym typeface="Arial"/>
         </a:defRPr>
       </a:lvl7pPr>
-      <a:lvl8pPr lvl="7" marR="0" rtl="0" algn="l">
+      <a:lvl8pPr marR="0" lvl="7" algn="l" rtl="0">
         <a:lnSpc>
           <a:spcPct val="100000"/>
         </a:lnSpc>
@@ -5277,7 +5471,7 @@
           <a:spcPts val="0"/>
         </a:spcAft>
         <a:buNone/>
-        <a:defRPr b="0" i="0" sz="1400" u="none" cap="none" strike="noStrike">
+        <a:defRPr sz="1400" b="0" i="0" u="none" strike="noStrike" cap="none">
           <a:solidFill>
             <a:srgbClr val="000000"/>
           </a:solidFill>
@@ -5287,7 +5481,7 @@
           <a:sym typeface="Arial"/>
         </a:defRPr>
       </a:lvl8pPr>
-      <a:lvl9pPr lvl="8" marR="0" rtl="0" algn="l">
+      <a:lvl9pPr marR="0" lvl="8" algn="l" rtl="0">
         <a:lnSpc>
           <a:spcPct val="100000"/>
         </a:lnSpc>
@@ -5298,7 +5492,7 @@
           <a:spcPts val="0"/>
         </a:spcAft>
         <a:buNone/>
-        <a:defRPr b="0" i="0" sz="1400" u="none" cap="none" strike="noStrike">
+        <a:defRPr sz="1400" b="0" i="0" u="none" strike="noStrike" cap="none">
           <a:solidFill>
             <a:srgbClr val="000000"/>
           </a:solidFill>
@@ -5310,7 +5504,7 @@
       </a:lvl9pPr>
     </p:bodyStyle>
     <p:otherStyle>
-      <a:defPPr lvl="0" marR="0" rtl="0" algn="l">
+      <a:defPPr marR="0" lvl="0" algn="l" rtl="0">
         <a:lnSpc>
           <a:spcPct val="100000"/>
         </a:lnSpc>
@@ -5321,7 +5515,7 @@
           <a:spcPts val="0"/>
         </a:spcAft>
       </a:defPPr>
-      <a:lvl1pPr lvl="0" marR="0" rtl="0" algn="l">
+      <a:lvl1pPr marR="0" lvl="0" algn="l" rtl="0">
         <a:lnSpc>
           <a:spcPct val="100000"/>
         </a:lnSpc>
@@ -5332,7 +5526,7 @@
           <a:spcPts val="0"/>
         </a:spcAft>
         <a:buNone/>
-        <a:defRPr b="0" i="0" sz="1400" u="none" cap="none" strike="noStrike">
+        <a:defRPr sz="1400" b="0" i="0" u="none" strike="noStrike" cap="none">
           <a:solidFill>
             <a:srgbClr val="000000"/>
           </a:solidFill>
@@ -5342,7 +5536,7 @@
           <a:sym typeface="Arial"/>
         </a:defRPr>
       </a:lvl1pPr>
-      <a:lvl2pPr lvl="1" marR="0" rtl="0" algn="l">
+      <a:lvl2pPr marR="0" lvl="1" algn="l" rtl="0">
         <a:lnSpc>
           <a:spcPct val="100000"/>
         </a:lnSpc>
@@ -5353,7 +5547,7 @@
           <a:spcPts val="0"/>
         </a:spcAft>
         <a:buNone/>
-        <a:defRPr b="0" i="0" sz="1400" u="none" cap="none" strike="noStrike">
+        <a:defRPr sz="1400" b="0" i="0" u="none" strike="noStrike" cap="none">
           <a:solidFill>
             <a:srgbClr val="000000"/>
           </a:solidFill>
@@ -5363,7 +5557,7 @@
           <a:sym typeface="Arial"/>
         </a:defRPr>
       </a:lvl2pPr>
-      <a:lvl3pPr lvl="2" marR="0" rtl="0" algn="l">
+      <a:lvl3pPr marR="0" lvl="2" algn="l" rtl="0">
         <a:lnSpc>
           <a:spcPct val="100000"/>
         </a:lnSpc>
@@ -5374,7 +5568,7 @@
           <a:spcPts val="0"/>
         </a:spcAft>
         <a:buNone/>
-        <a:defRPr b="0" i="0" sz="1400" u="none" cap="none" strike="noStrike">
+        <a:defRPr sz="1400" b="0" i="0" u="none" strike="noStrike" cap="none">
           <a:solidFill>
             <a:srgbClr val="000000"/>
           </a:solidFill>
@@ -5384,7 +5578,7 @@
           <a:sym typeface="Arial"/>
         </a:defRPr>
       </a:lvl3pPr>
-      <a:lvl4pPr lvl="3" marR="0" rtl="0" algn="l">
+      <a:lvl4pPr marR="0" lvl="3" algn="l" rtl="0">
         <a:lnSpc>
           <a:spcPct val="100000"/>
         </a:lnSpc>
@@ -5395,7 +5589,7 @@
           <a:spcPts val="0"/>
         </a:spcAft>
         <a:buNone/>
-        <a:defRPr b="0" i="0" sz="1400" u="none" cap="none" strike="noStrike">
+        <a:defRPr sz="1400" b="0" i="0" u="none" strike="noStrike" cap="none">
           <a:solidFill>
             <a:srgbClr val="000000"/>
           </a:solidFill>
@@ -5405,7 +5599,7 @@
           <a:sym typeface="Arial"/>
         </a:defRPr>
       </a:lvl4pPr>
-      <a:lvl5pPr lvl="4" marR="0" rtl="0" algn="l">
+      <a:lvl5pPr marR="0" lvl="4" algn="l" rtl="0">
         <a:lnSpc>
           <a:spcPct val="100000"/>
         </a:lnSpc>
@@ -5416,7 +5610,7 @@
           <a:spcPts val="0"/>
         </a:spcAft>
         <a:buNone/>
-        <a:defRPr b="0" i="0" sz="1400" u="none" cap="none" strike="noStrike">
+        <a:defRPr sz="1400" b="0" i="0" u="none" strike="noStrike" cap="none">
           <a:solidFill>
             <a:srgbClr val="000000"/>
           </a:solidFill>
@@ -5426,7 +5620,7 @@
           <a:sym typeface="Arial"/>
         </a:defRPr>
       </a:lvl5pPr>
-      <a:lvl6pPr lvl="5" marR="0" rtl="0" algn="l">
+      <a:lvl6pPr marR="0" lvl="5" algn="l" rtl="0">
         <a:lnSpc>
           <a:spcPct val="100000"/>
         </a:lnSpc>
@@ -5437,7 +5631,7 @@
           <a:spcPts val="0"/>
         </a:spcAft>
         <a:buNone/>
-        <a:defRPr b="0" i="0" sz="1400" u="none" cap="none" strike="noStrike">
+        <a:defRPr sz="1400" b="0" i="0" u="none" strike="noStrike" cap="none">
           <a:solidFill>
             <a:srgbClr val="000000"/>
           </a:solidFill>
@@ -5447,7 +5641,7 @@
           <a:sym typeface="Arial"/>
         </a:defRPr>
       </a:lvl6pPr>
-      <a:lvl7pPr lvl="6" marR="0" rtl="0" algn="l">
+      <a:lvl7pPr marR="0" lvl="6" algn="l" rtl="0">
         <a:lnSpc>
           <a:spcPct val="100000"/>
         </a:lnSpc>
@@ -5458,7 +5652,7 @@
           <a:spcPts val="0"/>
         </a:spcAft>
         <a:buNone/>
-        <a:defRPr b="0" i="0" sz="1400" u="none" cap="none" strike="noStrike">
+        <a:defRPr sz="1400" b="0" i="0" u="none" strike="noStrike" cap="none">
           <a:solidFill>
             <a:srgbClr val="000000"/>
           </a:solidFill>
@@ -5468,7 +5662,7 @@
           <a:sym typeface="Arial"/>
         </a:defRPr>
       </a:lvl7pPr>
-      <a:lvl8pPr lvl="7" marR="0" rtl="0" algn="l">
+      <a:lvl8pPr marR="0" lvl="7" algn="l" rtl="0">
         <a:lnSpc>
           <a:spcPct val="100000"/>
         </a:lnSpc>
@@ -5479,7 +5673,7 @@
           <a:spcPts val="0"/>
         </a:spcAft>
         <a:buNone/>
-        <a:defRPr b="0" i="0" sz="1400" u="none" cap="none" strike="noStrike">
+        <a:defRPr sz="1400" b="0" i="0" u="none" strike="noStrike" cap="none">
           <a:solidFill>
             <a:srgbClr val="000000"/>
           </a:solidFill>
@@ -5489,7 +5683,7 @@
           <a:sym typeface="Arial"/>
         </a:defRPr>
       </a:lvl8pPr>
-      <a:lvl9pPr lvl="8" marR="0" rtl="0" algn="l">
+      <a:lvl9pPr marR="0" lvl="8" algn="l" rtl="0">
         <a:lnSpc>
           <a:spcPct val="100000"/>
         </a:lnSpc>
@@ -5500,7 +5694,7 @@
           <a:spcPts val="0"/>
         </a:spcAft>
         <a:buNone/>
-        <a:defRPr b="0" i="0" sz="1400" u="none" cap="none" strike="noStrike">
+        <a:defRPr sz="1400" b="0" i="0" u="none" strike="noStrike" cap="none">
           <a:solidFill>
             <a:srgbClr val="000000"/>
           </a:solidFill>
@@ -5516,11 +5710,11 @@
 </file>
 
 <file path=ppt/slides/slide1.xml><?xml version="1.0" encoding="utf-8"?>
-<p:sld xmlns:a="http://schemas.openxmlformats.org/drawingml/2006/main" xmlns:r="http://schemas.openxmlformats.org/officeDocument/2006/relationships" xmlns:mc="http://schemas.openxmlformats.org/markup-compatibility/2006" xmlns:mv="urn:schemas-microsoft-com:mac:vml" xmlns:p="http://schemas.openxmlformats.org/presentationml/2006/main" xmlns:c="http://schemas.openxmlformats.org/drawingml/2006/chart" xmlns:dgm="http://schemas.openxmlformats.org/drawingml/2006/diagram" xmlns:o="urn:schemas-microsoft-com:office:office" xmlns:v="urn:schemas-microsoft-com:vml" xmlns:pvml="urn:schemas-microsoft-com:office:powerpoint" xmlns:com="http://schemas.openxmlformats.org/drawingml/2006/compatibility" xmlns:p14="http://schemas.microsoft.com/office/powerpoint/2010/main" xmlns:p15="http://schemas.microsoft.com/office/powerpoint/2012/main">
+<p:sld xmlns:a="http://schemas.openxmlformats.org/drawingml/2006/main" xmlns:r="http://schemas.openxmlformats.org/officeDocument/2006/relationships" xmlns:p="http://schemas.openxmlformats.org/presentationml/2006/main">
   <p:cSld>
     <p:spTree>
       <p:nvGrpSpPr>
-        <p:cNvPr id="66" name="Shape 66"/>
+        <p:cNvPr id="1" name="Shape 66"/>
         <p:cNvGrpSpPr/>
         <p:nvPr/>
       </p:nvGrpSpPr>
@@ -5535,7 +5729,9 @@
       <p:sp>
         <p:nvSpPr>
           <p:cNvPr id="67" name="Shape 67"/>
-          <p:cNvSpPr txBox="1"/>
+          <p:cNvSpPr txBox="1">
+            <a:spLocks noGrp="1"/>
+          </p:cNvSpPr>
           <p:nvPr>
             <p:ph type="title"/>
           </p:nvPr>
@@ -5550,12 +5746,12 @@
           </a:prstGeom>
         </p:spPr>
         <p:txBody>
-          <a:bodyPr anchorCtr="0" anchor="b" bIns="91425" lIns="91425" spcFirstLastPara="1" rIns="91425" wrap="square" tIns="91425">
+          <a:bodyPr spcFirstLastPara="1" wrap="square" lIns="91425" tIns="91425" rIns="91425" bIns="91425" anchor="b" anchorCtr="0">
             <a:noAutofit/>
           </a:bodyPr>
           <a:lstStyle/>
           <a:p>
-            <a:pPr indent="0" lvl="0" marL="0">
+            <a:pPr marL="0" lvl="0" indent="0">
               <a:spcBef>
                 <a:spcPts val="0"/>
               </a:spcBef>
@@ -5575,9 +5771,11 @@
       <p:sp>
         <p:nvSpPr>
           <p:cNvPr id="68" name="Shape 68"/>
-          <p:cNvSpPr txBox="1"/>
+          <p:cNvSpPr txBox="1">
+            <a:spLocks noGrp="1"/>
+          </p:cNvSpPr>
           <p:nvPr>
-            <p:ph idx="1" type="body"/>
+            <p:ph type="body" idx="1"/>
           </p:nvPr>
         </p:nvSpPr>
         <p:spPr>
@@ -5590,12 +5788,12 @@
           </a:prstGeom>
         </p:spPr>
         <p:txBody>
-          <a:bodyPr anchorCtr="0" anchor="t" bIns="91425" lIns="91425" spcFirstLastPara="1" rIns="91425" wrap="square" tIns="91425">
+          <a:bodyPr spcFirstLastPara="1" wrap="square" lIns="91425" tIns="91425" rIns="91425" bIns="91425" anchor="t" anchorCtr="0">
             <a:noAutofit/>
           </a:bodyPr>
           <a:lstStyle/>
           <a:p>
-            <a:pPr indent="0" lvl="0" marL="0">
+            <a:pPr marL="0" lvl="0" indent="0">
               <a:spcBef>
                 <a:spcPts val="0"/>
               </a:spcBef>
@@ -5606,16 +5804,12 @@
             </a:pPr>
             <a:r>
               <a:rPr lang="en"/>
-              <a:t>C</a:t>
-            </a:r>
-            <a:r>
-              <a:rPr lang="en"/>
-              <a:t>lustering</a:t>
+              <a:t>Clustering</a:t>
             </a:r>
             <a:endParaRPr/>
           </a:p>
           <a:p>
-            <a:pPr indent="0" lvl="0" marL="0">
+            <a:pPr marL="0" lvl="0" indent="0">
               <a:spcBef>
                 <a:spcPts val="1600"/>
               </a:spcBef>
@@ -5631,7 +5825,7 @@
             <a:endParaRPr/>
           </a:p>
           <a:p>
-            <a:pPr indent="0" lvl="0" marL="0">
+            <a:pPr marL="0" lvl="0" indent="0">
               <a:spcBef>
                 <a:spcPts val="1600"/>
               </a:spcBef>
@@ -5647,7 +5841,7 @@
             <a:endParaRPr/>
           </a:p>
           <a:p>
-            <a:pPr indent="0" lvl="0" marL="0">
+            <a:pPr marL="0" lvl="0" indent="0">
               <a:spcBef>
                 <a:spcPts val="1600"/>
               </a:spcBef>
@@ -5663,7 +5857,7 @@
             <a:endParaRPr/>
           </a:p>
           <a:p>
-            <a:pPr indent="0" lvl="0" marL="0">
+            <a:pPr marL="0" lvl="0" indent="0">
               <a:spcBef>
                 <a:spcPts val="1600"/>
               </a:spcBef>
@@ -5679,7 +5873,7 @@
             <a:endParaRPr/>
           </a:p>
           <a:p>
-            <a:pPr indent="0" lvl="0" marL="0">
+            <a:pPr marL="0" lvl="0" indent="0">
               <a:spcBef>
                 <a:spcPts val="1600"/>
               </a:spcBef>
@@ -5688,9 +5882,6 @@
               </a:spcAft>
               <a:buNone/>
             </a:pPr>
-            <a:r>
-              <a:t/>
-            </a:r>
             <a:endParaRPr/>
           </a:p>
         </p:txBody>
@@ -5771,12 +5962,12 @@
           </a:ln>
         </p:spPr>
         <p:txBody>
-          <a:bodyPr anchorCtr="0" anchor="t" bIns="91425" lIns="91425" spcFirstLastPara="1" rIns="91425" wrap="square" tIns="91425">
+          <a:bodyPr spcFirstLastPara="1" wrap="square" lIns="91425" tIns="91425" rIns="91425" bIns="91425" anchor="t" anchorCtr="0">
             <a:noAutofit/>
           </a:bodyPr>
           <a:lstStyle/>
           <a:p>
-            <a:pPr indent="0" lvl="0" marL="0">
+            <a:pPr marL="0" lvl="0" indent="0">
               <a:spcBef>
                 <a:spcPts val="0"/>
               </a:spcBef>
@@ -5786,10 +5977,10 @@
               <a:buNone/>
             </a:pPr>
             <a:r>
-              <a:rPr b="1" lang="en" sz="7200"/>
-              <a:t>0.678</a:t>
+              <a:rPr lang="en" sz="7200" b="1" dirty="0" smtClean="0"/>
+              <a:t>0.66</a:t>
             </a:r>
-            <a:endParaRPr b="1" sz="7200"/>
+            <a:endParaRPr sz="7200" b="1" dirty="0"/>
           </a:p>
         </p:txBody>
       </p:sp>
@@ -5802,7 +5993,7 @@
 </file>
 
 <file path=ppt/theme/theme1.xml><?xml version="1.0" encoding="utf-8"?>
-<a:theme xmlns:a="http://schemas.openxmlformats.org/drawingml/2006/main" xmlns:r="http://schemas.openxmlformats.org/officeDocument/2006/relationships" name="Material">
+<a:theme xmlns:a="http://schemas.openxmlformats.org/drawingml/2006/main" name="Material">
   <a:themeElements>
     <a:clrScheme name="Material">
       <a:dk1>
@@ -6077,11 +6268,13 @@
       </a:bgFillStyleLst>
     </a:fmtScheme>
   </a:themeElements>
+  <a:objectDefaults/>
+  <a:extraClrSchemeLst/>
 </a:theme>
 </file>
 
 <file path=ppt/theme/theme2.xml><?xml version="1.0" encoding="utf-8"?>
-<a:theme xmlns:a="http://schemas.openxmlformats.org/drawingml/2006/main" xmlns:r="http://schemas.openxmlformats.org/officeDocument/2006/relationships" name="Custom Theme">
+<a:theme xmlns:a="http://schemas.openxmlformats.org/drawingml/2006/main" name="Custom Theme">
   <a:themeElements>
     <a:clrScheme name="Default">
       <a:dk1>
@@ -6356,5 +6549,7 @@
       </a:bgFillStyleLst>
     </a:fmtScheme>
   </a:themeElements>
+  <a:objectDefaults/>
+  <a:extraClrSchemeLst/>
 </a:theme>
 </file>
--- a/projects/graphexplorer/submissions/DevinElliotGautam/DevinElliotAndGautamsPresentation.pptx
+++ b/projects/graphexplorer/submissions/DevinElliotGautam/DevinElliotAndGautamsPresentation.pptx
@@ -5780,8 +5780,8 @@
         </p:nvSpPr>
         <p:spPr>
           <a:xfrm>
-            <a:off x="460950" y="1875250"/>
-            <a:ext cx="8222100" cy="2710200"/>
+            <a:off x="460950" y="1875249"/>
+            <a:ext cx="8222100" cy="2893395"/>
           </a:xfrm>
           <a:prstGeom prst="rect">
             <a:avLst/>
@@ -5803,10 +5803,31 @@
               <a:buNone/>
             </a:pPr>
             <a:r>
-              <a:rPr lang="en"/>
-              <a:t>Clustering</a:t>
+              <a:rPr lang="en" dirty="0" smtClean="0"/>
+              <a:t>Clustering,</a:t>
             </a:r>
-            <a:endParaRPr/>
+            <a:endParaRPr dirty="0"/>
+          </a:p>
+          <a:p>
+            <a:pPr marL="0" indent="0">
+              <a:spcBef>
+                <a:spcPts val="1600"/>
+              </a:spcBef>
+              <a:buNone/>
+            </a:pPr>
+            <a:r>
+              <a:rPr lang="en" dirty="0" smtClean="0"/>
+              <a:t>Node_connectivity,            </a:t>
+            </a:r>
+            <a:r>
+              <a:rPr lang="en-US" dirty="0" err="1" smtClean="0"/>
+              <a:t>Is_bipartite</a:t>
+            </a:r>
+            <a:r>
+              <a:rPr lang="en-US" dirty="0" smtClean="0"/>
+              <a:t>,</a:t>
+            </a:r>
+            <a:endParaRPr lang="en-US" dirty="0"/>
           </a:p>
           <a:p>
             <a:pPr marL="0" lvl="0" indent="0">
@@ -5819,10 +5840,9 @@
               <a:buNone/>
             </a:pPr>
             <a:r>
-              <a:rPr lang="en"/>
-              <a:t>Node_connectivity</a:t>
+              <a:rPr lang="en" dirty="0" smtClean="0"/>
+              <a:t>Triangles,                          Degree_centrality</a:t>
             </a:r>
-            <a:endParaRPr/>
           </a:p>
           <a:p>
             <a:pPr marL="0" lvl="0" indent="0">
@@ -5834,11 +5854,7 @@
               </a:spcAft>
               <a:buNone/>
             </a:pPr>
-            <a:r>
-              <a:rPr lang="en"/>
-              <a:t>Triangles</a:t>
-            </a:r>
-            <a:endParaRPr/>
+            <a:endParaRPr lang="en" dirty="0" smtClean="0"/>
           </a:p>
           <a:p>
             <a:pPr marL="0" lvl="0" indent="0">
@@ -5851,10 +5867,17 @@
               <a:buNone/>
             </a:pPr>
             <a:r>
-              <a:rPr lang="en"/>
-              <a:t>Is_bipartite</a:t>
+              <a:rPr lang="en" dirty="0" smtClean="0"/>
+              <a:t>Random Forest, SVM, Logarithmic Regression, </a:t>
             </a:r>
-            <a:endParaRPr/>
+            <a:br>
+              <a:rPr lang="en" dirty="0" smtClean="0"/>
+            </a:br>
+            <a:r>
+              <a:rPr lang="en" dirty="0" smtClean="0"/>
+              <a:t>Gradient-Boosted Decision Trees, Neural Network</a:t>
+            </a:r>
+            <a:endParaRPr dirty="0"/>
           </a:p>
           <a:p>
             <a:pPr marL="0" lvl="0" indent="0">
@@ -5862,15 +5885,11 @@
                 <a:spcPts val="1600"/>
               </a:spcBef>
               <a:spcAft>
-                <a:spcPts val="0"/>
+                <a:spcPts val="1600"/>
               </a:spcAft>
               <a:buNone/>
             </a:pPr>
-            <a:r>
-              <a:rPr lang="en"/>
-              <a:t>Degree_centrality</a:t>
-            </a:r>
-            <a:endParaRPr/>
+            <a:endParaRPr lang="en-US" dirty="0" smtClean="0"/>
           </a:p>
           <a:p>
             <a:pPr marL="0" lvl="0" indent="0">
@@ -5882,7 +5901,7 @@
               </a:spcAft>
               <a:buNone/>
             </a:pPr>
-            <a:endParaRPr/>
+            <a:endParaRPr dirty="0"/>
           </a:p>
         </p:txBody>
       </p:sp>
@@ -5902,7 +5921,7 @@
         </p:blipFill>
         <p:spPr>
           <a:xfrm>
-            <a:off x="4878000" y="2665425"/>
+            <a:off x="6537031" y="2205663"/>
             <a:ext cx="2619675" cy="2368475"/>
           </a:xfrm>
           <a:prstGeom prst="rect">
@@ -5930,7 +5949,7 @@
         </p:blipFill>
         <p:spPr>
           <a:xfrm>
-            <a:off x="5835075" y="180050"/>
+            <a:off x="5171188" y="39487"/>
             <a:ext cx="2564550" cy="2318625"/>
           </a:xfrm>
           <a:prstGeom prst="rect">
@@ -5950,8 +5969,8 @@
         </p:nvSpPr>
         <p:spPr>
           <a:xfrm>
-            <a:off x="2915150" y="1439300"/>
-            <a:ext cx="2681400" cy="1651200"/>
+            <a:off x="2956849" y="1309767"/>
+            <a:ext cx="2681400" cy="1215410"/>
           </a:xfrm>
           <a:prstGeom prst="rect">
             <a:avLst/>
@@ -5977,10 +5996,18 @@
               <a:buNone/>
             </a:pPr>
             <a:r>
-              <a:rPr lang="en" sz="7200" b="1" dirty="0" smtClean="0"/>
+              <a:rPr lang="en" sz="7200" b="1" dirty="0" smtClean="0">
+                <a:solidFill>
+                  <a:srgbClr val="66FF33"/>
+                </a:solidFill>
+              </a:rPr>
               <a:t>0.66</a:t>
             </a:r>
-            <a:endParaRPr sz="7200" b="1" dirty="0"/>
+            <a:endParaRPr sz="7200" b="1" dirty="0">
+              <a:solidFill>
+                <a:srgbClr val="66FF33"/>
+              </a:solidFill>
+            </a:endParaRPr>
           </a:p>
         </p:txBody>
       </p:sp>
